--- a/presentations/Python.pptx
+++ b/presentations/Python.pptx
@@ -17,13 +17,13 @@
     <p:sldId id="265" r:id="rId11"/>
     <p:sldId id="266" r:id="rId12"/>
     <p:sldId id="267" r:id="rId13"/>
-    <p:sldId id="268" r:id="rId14"/>
-    <p:sldId id="269" r:id="rId15"/>
-    <p:sldId id="271" r:id="rId16"/>
-    <p:sldId id="270" r:id="rId17"/>
-    <p:sldId id="272" r:id="rId18"/>
-    <p:sldId id="274" r:id="rId19"/>
-    <p:sldId id="273" r:id="rId20"/>
+    <p:sldId id="276" r:id="rId14"/>
+    <p:sldId id="268" r:id="rId15"/>
+    <p:sldId id="277" r:id="rId16"/>
+    <p:sldId id="269" r:id="rId17"/>
+    <p:sldId id="271" r:id="rId18"/>
+    <p:sldId id="270" r:id="rId19"/>
+    <p:sldId id="275" r:id="rId20"/>
   </p:sldIdLst>
   <p:sldSz cx="12192000" cy="6858000"/>
   <p:notesSz cx="6858000" cy="9144000"/>
@@ -122,6 +122,11 @@
       </a:defRPr>
     </a:lvl9pPr>
   </p:defaultTextStyle>
+  <p:extLst>
+    <p:ext uri="{EFAFB233-063F-42B5-8137-9DF3F51BA10A}">
+      <p15:sldGuideLst xmlns:p15="http://schemas.microsoft.com/office/powerpoint/2012/main"/>
+    </p:ext>
+  </p:extLst>
 </p:presentation>
 </file>
 
@@ -272,7 +277,7 @@
           <a:p>
             <a:fld id="{DBF8C3D7-48C3-C740-B187-2045F13E64C1}" type="datetimeFigureOut">
               <a:rPr lang="fr-FR" smtClean="0"/>
-              <a:t>03/07/2019</a:t>
+              <a:t>04/07/2019</a:t>
             </a:fld>
             <a:endParaRPr lang="fr-FR"/>
           </a:p>
@@ -470,7 +475,7 @@
           <a:p>
             <a:fld id="{DBF8C3D7-48C3-C740-B187-2045F13E64C1}" type="datetimeFigureOut">
               <a:rPr lang="fr-FR" smtClean="0"/>
-              <a:t>03/07/2019</a:t>
+              <a:t>04/07/2019</a:t>
             </a:fld>
             <a:endParaRPr lang="fr-FR"/>
           </a:p>
@@ -678,7 +683,7 @@
           <a:p>
             <a:fld id="{DBF8C3D7-48C3-C740-B187-2045F13E64C1}" type="datetimeFigureOut">
               <a:rPr lang="fr-FR" smtClean="0"/>
-              <a:t>03/07/2019</a:t>
+              <a:t>04/07/2019</a:t>
             </a:fld>
             <a:endParaRPr lang="fr-FR"/>
           </a:p>
@@ -876,7 +881,7 @@
           <a:p>
             <a:fld id="{DBF8C3D7-48C3-C740-B187-2045F13E64C1}" type="datetimeFigureOut">
               <a:rPr lang="fr-FR" smtClean="0"/>
-              <a:t>03/07/2019</a:t>
+              <a:t>04/07/2019</a:t>
             </a:fld>
             <a:endParaRPr lang="fr-FR"/>
           </a:p>
@@ -1151,7 +1156,7 @@
           <a:p>
             <a:fld id="{DBF8C3D7-48C3-C740-B187-2045F13E64C1}" type="datetimeFigureOut">
               <a:rPr lang="fr-FR" smtClean="0"/>
-              <a:t>03/07/2019</a:t>
+              <a:t>04/07/2019</a:t>
             </a:fld>
             <a:endParaRPr lang="fr-FR"/>
           </a:p>
@@ -1416,7 +1421,7 @@
           <a:p>
             <a:fld id="{DBF8C3D7-48C3-C740-B187-2045F13E64C1}" type="datetimeFigureOut">
               <a:rPr lang="fr-FR" smtClean="0"/>
-              <a:t>03/07/2019</a:t>
+              <a:t>04/07/2019</a:t>
             </a:fld>
             <a:endParaRPr lang="fr-FR"/>
           </a:p>
@@ -1828,7 +1833,7 @@
           <a:p>
             <a:fld id="{DBF8C3D7-48C3-C740-B187-2045F13E64C1}" type="datetimeFigureOut">
               <a:rPr lang="fr-FR" smtClean="0"/>
-              <a:t>03/07/2019</a:t>
+              <a:t>04/07/2019</a:t>
             </a:fld>
             <a:endParaRPr lang="fr-FR"/>
           </a:p>
@@ -1969,7 +1974,7 @@
           <a:p>
             <a:fld id="{DBF8C3D7-48C3-C740-B187-2045F13E64C1}" type="datetimeFigureOut">
               <a:rPr lang="fr-FR" smtClean="0"/>
-              <a:t>03/07/2019</a:t>
+              <a:t>04/07/2019</a:t>
             </a:fld>
             <a:endParaRPr lang="fr-FR"/>
           </a:p>
@@ -2082,7 +2087,7 @@
           <a:p>
             <a:fld id="{DBF8C3D7-48C3-C740-B187-2045F13E64C1}" type="datetimeFigureOut">
               <a:rPr lang="fr-FR" smtClean="0"/>
-              <a:t>03/07/2019</a:t>
+              <a:t>04/07/2019</a:t>
             </a:fld>
             <a:endParaRPr lang="fr-FR"/>
           </a:p>
@@ -2393,7 +2398,7 @@
           <a:p>
             <a:fld id="{DBF8C3D7-48C3-C740-B187-2045F13E64C1}" type="datetimeFigureOut">
               <a:rPr lang="fr-FR" smtClean="0"/>
-              <a:t>03/07/2019</a:t>
+              <a:t>04/07/2019</a:t>
             </a:fld>
             <a:endParaRPr lang="fr-FR"/>
           </a:p>
@@ -2681,7 +2686,7 @@
           <a:p>
             <a:fld id="{DBF8C3D7-48C3-C740-B187-2045F13E64C1}" type="datetimeFigureOut">
               <a:rPr lang="fr-FR" smtClean="0"/>
-              <a:t>03/07/2019</a:t>
+              <a:t>04/07/2019</a:t>
             </a:fld>
             <a:endParaRPr lang="fr-FR"/>
           </a:p>
@@ -2922,7 +2927,7 @@
           <a:p>
             <a:fld id="{DBF8C3D7-48C3-C740-B187-2045F13E64C1}" type="datetimeFigureOut">
               <a:rPr lang="fr-FR" smtClean="0"/>
-              <a:t>03/07/2019</a:t>
+              <a:t>04/07/2019</a:t>
             </a:fld>
             <a:endParaRPr lang="fr-FR"/>
           </a:p>
@@ -3648,36 +3653,6 @@
           </a:p>
         </p:txBody>
       </p:sp>
-      <p:pic>
-        <p:nvPicPr>
-          <p:cNvPr id="5" name="Image 4" descr="Une image contenant clipart&#10;&#10;Description générée automatiquement">
-            <a:extLst>
-              <a:ext uri="{FF2B5EF4-FFF2-40B4-BE49-F238E27FC236}">
-                <a16:creationId xmlns:a16="http://schemas.microsoft.com/office/drawing/2014/main" id="{9144423E-3030-C445-8D80-95B3D41A5F02}"/>
-              </a:ext>
-            </a:extLst>
-          </p:cNvPr>
-          <p:cNvPicPr>
-            <a:picLocks noChangeAspect="1"/>
-          </p:cNvPicPr>
-          <p:nvPr/>
-        </p:nvPicPr>
-        <p:blipFill>
-          <a:blip r:embed="rId3"/>
-          <a:stretch>
-            <a:fillRect/>
-          </a:stretch>
-        </p:blipFill>
-        <p:spPr>
-          <a:xfrm>
-            <a:off x="10239271" y="1367966"/>
-            <a:ext cx="1447800" cy="596900"/>
-          </a:xfrm>
-          <a:prstGeom prst="rect">
-            <a:avLst/>
-          </a:prstGeom>
-        </p:spPr>
-      </p:pic>
       <p:sp>
         <p:nvSpPr>
           <p:cNvPr id="4" name="Rectangle : coins arrondis 3">
@@ -4835,7 +4810,7 @@
         <p:spPr>
           <a:xfrm>
             <a:off x="373186" y="4358172"/>
-            <a:ext cx="1096775" cy="369332"/>
+            <a:ext cx="1156086" cy="646331"/>
           </a:xfrm>
           <a:prstGeom prst="rect">
             <a:avLst/>
@@ -4851,6 +4826,19 @@
             <a:r>
               <a:rPr lang="fr-FR" dirty="0"/>
               <a:t>Demande</a:t>
+            </a:r>
+          </a:p>
+          <a:p>
+            <a:r>
+              <a:rPr lang="fr-FR" i="1" dirty="0">
+                <a:solidFill>
+                  <a:schemeClr val="tx1">
+                    <a:lumMod val="50000"/>
+                    <a:lumOff val="50000"/>
+                  </a:schemeClr>
+                </a:solidFill>
+              </a:rPr>
+              <a:t>GET /login</a:t>
             </a:r>
           </a:p>
         </p:txBody>
@@ -5293,6 +5281,36 @@
           </a:p>
         </p:txBody>
       </p:sp>
+      <p:pic>
+        <p:nvPicPr>
+          <p:cNvPr id="38" name="Image 37" descr="Une image contenant clipart&#10;&#10;Description générée automatiquement">
+            <a:extLst>
+              <a:ext uri="{FF2B5EF4-FFF2-40B4-BE49-F238E27FC236}">
+                <a16:creationId xmlns:a16="http://schemas.microsoft.com/office/drawing/2014/main" id="{9144423E-3030-C445-8D80-95B3D41A5F02}"/>
+              </a:ext>
+            </a:extLst>
+          </p:cNvPr>
+          <p:cNvPicPr>
+            <a:picLocks noChangeAspect="1"/>
+          </p:cNvPicPr>
+          <p:nvPr/>
+        </p:nvPicPr>
+        <p:blipFill>
+          <a:blip r:embed="rId3"/>
+          <a:stretch>
+            <a:fillRect/>
+          </a:stretch>
+        </p:blipFill>
+        <p:spPr>
+          <a:xfrm>
+            <a:off x="419333" y="252929"/>
+            <a:ext cx="1123717" cy="463287"/>
+          </a:xfrm>
+          <a:prstGeom prst="rect">
+            <a:avLst/>
+          </a:prstGeom>
+        </p:spPr>
+      </p:pic>
     </p:spTree>
     <p:extLst>
       <p:ext uri="{BB962C8B-B14F-4D97-AF65-F5344CB8AC3E}">
@@ -5325,6 +5343,59 @@
       </p:grpSpPr>
       <p:sp>
         <p:nvSpPr>
+          <p:cNvPr id="10" name="Rectangle 9"/>
+          <p:cNvSpPr/>
+          <p:nvPr/>
+        </p:nvSpPr>
+        <p:spPr>
+          <a:xfrm>
+            <a:off x="190500" y="4537273"/>
+            <a:ext cx="11721802" cy="2246769"/>
+          </a:xfrm>
+          <a:prstGeom prst="rect">
+            <a:avLst/>
+          </a:prstGeom>
+          <a:solidFill>
+            <a:schemeClr val="bg1">
+              <a:lumMod val="95000"/>
+            </a:schemeClr>
+          </a:solidFill>
+          <a:ln>
+            <a:solidFill>
+              <a:schemeClr val="bg1">
+                <a:lumMod val="50000"/>
+              </a:schemeClr>
+            </a:solidFill>
+            <a:prstDash val="dash"/>
+          </a:ln>
+        </p:spPr>
+        <p:style>
+          <a:lnRef idx="2">
+            <a:schemeClr val="accent1">
+              <a:shade val="50000"/>
+            </a:schemeClr>
+          </a:lnRef>
+          <a:fillRef idx="1">
+            <a:schemeClr val="accent1"/>
+          </a:fillRef>
+          <a:effectRef idx="0">
+            <a:schemeClr val="accent1"/>
+          </a:effectRef>
+          <a:fontRef idx="minor">
+            <a:schemeClr val="lt1"/>
+          </a:fontRef>
+        </p:style>
+        <p:txBody>
+          <a:bodyPr rtlCol="0" anchor="ctr"/>
+          <a:lstStyle/>
+          <a:p>
+            <a:pPr algn="ctr"/>
+            <a:endParaRPr lang="fr-FR"/>
+          </a:p>
+        </p:txBody>
+      </p:sp>
+      <p:sp>
+        <p:nvSpPr>
           <p:cNvPr id="3" name="Sous-titre 2">
             <a:extLst>
               <a:ext uri="{FF2B5EF4-FFF2-40B4-BE49-F238E27FC236}">
@@ -5424,8 +5495,8 @@
         </p:nvSpPr>
         <p:spPr>
           <a:xfrm>
-            <a:off x="7820128" y="889566"/>
-            <a:ext cx="3953005" cy="369332"/>
+            <a:off x="6674079" y="876868"/>
+            <a:ext cx="5517921" cy="646331"/>
           </a:xfrm>
           <a:prstGeom prst="rect">
             <a:avLst/>
@@ -5437,6 +5508,7 @@
           </a:bodyPr>
           <a:lstStyle/>
           <a:p>
+            <a:pPr algn="r"/>
             <a:r>
               <a:rPr lang="fr-FR" dirty="0">
                 <a:hlinkClick r:id="rId2"/>
@@ -5445,38 +5517,18 @@
             </a:r>
             <a:endParaRPr lang="fr-FR" dirty="0"/>
           </a:p>
-        </p:txBody>
-      </p:sp>
-      <p:pic>
-        <p:nvPicPr>
-          <p:cNvPr id="5" name="Image 4" descr="Une image contenant clipart&#10;&#10;Description générée automatiquement">
-            <a:extLst>
-              <a:ext uri="{FF2B5EF4-FFF2-40B4-BE49-F238E27FC236}">
-                <a16:creationId xmlns:a16="http://schemas.microsoft.com/office/drawing/2014/main" id="{9144423E-3030-C445-8D80-95B3D41A5F02}"/>
-              </a:ext>
-            </a:extLst>
-          </p:cNvPr>
-          <p:cNvPicPr>
-            <a:picLocks noChangeAspect="1"/>
-          </p:cNvPicPr>
-          <p:nvPr/>
-        </p:nvPicPr>
-        <p:blipFill>
-          <a:blip r:embed="rId3"/>
-          <a:stretch>
-            <a:fillRect/>
-          </a:stretch>
-        </p:blipFill>
-        <p:spPr>
-          <a:xfrm>
-            <a:off x="10239271" y="1367966"/>
-            <a:ext cx="1447800" cy="596900"/>
-          </a:xfrm>
-          <a:prstGeom prst="rect">
-            <a:avLst/>
-          </a:prstGeom>
-        </p:spPr>
-      </p:pic>
+          <a:p>
+            <a:pPr algn="r"/>
+            <a:r>
+              <a:rPr lang="fr-FR" dirty="0">
+                <a:hlinkClick r:id="rId3"/>
+              </a:rPr>
+              <a:t>https://docs.djangoproject.com/en/2.2/topics/http/urls/</a:t>
+            </a:r>
+            <a:endParaRPr lang="fr-FR" dirty="0"/>
+          </a:p>
+        </p:txBody>
+      </p:sp>
       <p:sp>
         <p:nvSpPr>
           <p:cNvPr id="6" name="ZoneTexte 5">
@@ -5521,7 +5573,7 @@
             </a:pPr>
             <a:r>
               <a:rPr lang="fr-FR" sz="2000" dirty="0"/>
-              <a:t>En fonction de l’url et du type, décide quelle vue doit travailler</a:t>
+              <a:t>En fonction de l’url, décide quelle vue doit travailler</a:t>
             </a:r>
           </a:p>
           <a:p>
@@ -5539,7 +5591,7 @@
             </a:r>
             <a:r>
               <a:rPr lang="fr-FR" sz="2000" dirty="0"/>
-              <a:t> » dans chaque applications</a:t>
+              <a:t> » dans chaque application</a:t>
             </a:r>
           </a:p>
         </p:txBody>
@@ -5559,7 +5611,7 @@
         <p:spPr>
           <a:xfrm>
             <a:off x="279698" y="4537273"/>
-            <a:ext cx="8369450" cy="1631216"/>
+            <a:ext cx="8369450" cy="2246769"/>
           </a:xfrm>
           <a:prstGeom prst="rect">
             <a:avLst/>
@@ -5575,6 +5627,27 @@
             <a:r>
               <a:rPr lang="fr-FR" sz="2000" b="1" dirty="0"/>
               <a:t>Point sur les requêtes HTTP</a:t>
+            </a:r>
+          </a:p>
+          <a:p>
+            <a:endParaRPr lang="fr-FR" sz="2000" b="1" dirty="0"/>
+          </a:p>
+          <a:p>
+            <a:r>
+              <a:rPr lang="fr-FR" sz="2000" dirty="0"/>
+              <a:t>Path</a:t>
+            </a:r>
+            <a:r>
+              <a:rPr lang="fr-FR" sz="2000" b="1" dirty="0"/>
+              <a:t> </a:t>
+            </a:r>
+            <a:r>
+              <a:rPr lang="fr-FR" sz="2000" dirty="0">
+                <a:solidFill>
+                  <a:schemeClr val="accent1"/>
+                </a:solidFill>
+              </a:rPr>
+              <a:t>/login, /shops/foyer, …</a:t>
             </a:r>
           </a:p>
           <a:p>
@@ -5858,6 +5931,36 @@
           <a:xfrm>
             <a:off x="279698" y="2870977"/>
             <a:ext cx="7487323" cy="1317828"/>
+          </a:xfrm>
+          <a:prstGeom prst="rect">
+            <a:avLst/>
+          </a:prstGeom>
+        </p:spPr>
+      </p:pic>
+      <p:pic>
+        <p:nvPicPr>
+          <p:cNvPr id="11" name="Image 10" descr="Une image contenant clipart&#10;&#10;Description générée automatiquement">
+            <a:extLst>
+              <a:ext uri="{FF2B5EF4-FFF2-40B4-BE49-F238E27FC236}">
+                <a16:creationId xmlns:a16="http://schemas.microsoft.com/office/drawing/2014/main" id="{9144423E-3030-C445-8D80-95B3D41A5F02}"/>
+              </a:ext>
+            </a:extLst>
+          </p:cNvPr>
+          <p:cNvPicPr>
+            <a:picLocks noChangeAspect="1"/>
+          </p:cNvPicPr>
+          <p:nvPr/>
+        </p:nvPicPr>
+        <p:blipFill>
+          <a:blip r:embed="rId7"/>
+          <a:stretch>
+            <a:fillRect/>
+          </a:stretch>
+        </p:blipFill>
+        <p:spPr>
+          <a:xfrm>
+            <a:off x="419333" y="252929"/>
+            <a:ext cx="1123717" cy="463287"/>
           </a:xfrm>
           <a:prstGeom prst="rect">
             <a:avLst/>
@@ -5975,7 +6078,7 @@
             </a:r>
             <a:r>
               <a:rPr lang="fr-FR" sz="3600" dirty="0"/>
-              <a:t> qui traitent</a:t>
+              <a:t> qui traitent 1/2</a:t>
             </a:r>
             <a:endParaRPr lang="fr-FR" dirty="0"/>
           </a:p>
@@ -5995,8 +6098,8 @@
         </p:nvSpPr>
         <p:spPr>
           <a:xfrm>
-            <a:off x="7820128" y="889566"/>
-            <a:ext cx="3953005" cy="369332"/>
+            <a:off x="6372113" y="889566"/>
+            <a:ext cx="5697457" cy="646331"/>
           </a:xfrm>
           <a:prstGeom prst="rect">
             <a:avLst/>
@@ -6008,6 +6111,7 @@
           </a:bodyPr>
           <a:lstStyle/>
           <a:p>
+            <a:pPr algn="r"/>
             <a:r>
               <a:rPr lang="fr-FR" dirty="0">
                 <a:hlinkClick r:id="rId2"/>
@@ -6016,11 +6120,21 @@
             </a:r>
             <a:endParaRPr lang="fr-FR" dirty="0"/>
           </a:p>
+          <a:p>
+            <a:pPr algn="r"/>
+            <a:r>
+              <a:rPr lang="fr-FR" dirty="0">
+                <a:hlinkClick r:id="rId3"/>
+              </a:rPr>
+              <a:t>https://docs.djangoproject.com/en/2.2/topics/http/views/</a:t>
+            </a:r>
+            <a:endParaRPr lang="fr-FR" dirty="0"/>
+          </a:p>
         </p:txBody>
       </p:sp>
       <p:pic>
         <p:nvPicPr>
-          <p:cNvPr id="5" name="Image 4" descr="Une image contenant clipart&#10;&#10;Description générée automatiquement">
+          <p:cNvPr id="6" name="Image 5" descr="Une image contenant clipart&#10;&#10;Description générée automatiquement">
             <a:extLst>
               <a:ext uri="{FF2B5EF4-FFF2-40B4-BE49-F238E27FC236}">
                 <a16:creationId xmlns:a16="http://schemas.microsoft.com/office/drawing/2014/main" id="{9144423E-3030-C445-8D80-95B3D41A5F02}"/>
@@ -6033,21 +6147,373 @@
           <p:nvPr/>
         </p:nvPicPr>
         <p:blipFill>
-          <a:blip r:embed="rId3"/>
+          <a:blip r:embed="rId4"/>
           <a:stretch>
             <a:fillRect/>
           </a:stretch>
         </p:blipFill>
         <p:spPr>
           <a:xfrm>
-            <a:off x="10239271" y="1367966"/>
-            <a:ext cx="1447800" cy="596900"/>
+            <a:off x="419333" y="252929"/>
+            <a:ext cx="1123717" cy="463287"/>
           </a:xfrm>
           <a:prstGeom prst="rect">
             <a:avLst/>
           </a:prstGeom>
         </p:spPr>
       </p:pic>
+      <p:sp>
+        <p:nvSpPr>
+          <p:cNvPr id="8" name="ZoneTexte 7">
+            <a:extLst>
+              <a:ext uri="{FF2B5EF4-FFF2-40B4-BE49-F238E27FC236}">
+                <a16:creationId xmlns:a16="http://schemas.microsoft.com/office/drawing/2014/main" id="{2A467EBB-3FD8-9E4B-8A6D-5CD490A7C6CE}"/>
+              </a:ext>
+            </a:extLst>
+          </p:cNvPr>
+          <p:cNvSpPr txBox="1"/>
+          <p:nvPr/>
+        </p:nvSpPr>
+        <p:spPr>
+          <a:xfrm>
+            <a:off x="279697" y="1652014"/>
+            <a:ext cx="11617028" cy="5078313"/>
+          </a:xfrm>
+          <a:prstGeom prst="rect">
+            <a:avLst/>
+          </a:prstGeom>
+          <a:noFill/>
+        </p:spPr>
+        <p:txBody>
+          <a:bodyPr wrap="square" rtlCol="0">
+            <a:spAutoFit/>
+          </a:bodyPr>
+          <a:lstStyle/>
+          <a:p>
+            <a:pPr marL="800100" lvl="1" indent="-342900">
+              <a:buFontTx/>
+              <a:buChar char="-"/>
+            </a:pPr>
+            <a:r>
+              <a:rPr lang="fr-FR" sz="2000" dirty="0"/>
+              <a:t>Reçoit les informations de la requête : type (GET, POST, …), paramètres, …</a:t>
+            </a:r>
+          </a:p>
+          <a:p>
+            <a:endParaRPr lang="fr-FR" sz="2400" b="1" dirty="0"/>
+          </a:p>
+          <a:p>
+            <a:endParaRPr lang="fr-FR" sz="2400" b="1" dirty="0"/>
+          </a:p>
+          <a:p>
+            <a:pPr marL="800100" lvl="1" indent="-342900">
+              <a:buFontTx/>
+              <a:buChar char="-"/>
+            </a:pPr>
+            <a:r>
+              <a:rPr lang="fr-FR" sz="2000" dirty="0"/>
+              <a:t>Effectue le traitement nécessaire …</a:t>
+            </a:r>
+          </a:p>
+          <a:p>
+            <a:pPr marL="800100" lvl="1" indent="-342900">
+              <a:buFontTx/>
+              <a:buChar char="-"/>
+            </a:pPr>
+            <a:r>
+              <a:rPr lang="fr-FR" sz="2000" dirty="0"/>
+              <a:t>Demande des modifications dans la base de données (voir page </a:t>
+            </a:r>
+            <a:r>
+              <a:rPr lang="fr-FR" sz="2000" dirty="0" err="1"/>
+              <a:t>Models</a:t>
+            </a:r>
+            <a:r>
+              <a:rPr lang="fr-FR" sz="2000" dirty="0"/>
+              <a:t>) </a:t>
+            </a:r>
+            <a:r>
+              <a:rPr lang="fr-FR" sz="2000" i="1" dirty="0">
+                <a:solidFill>
+                  <a:schemeClr val="tx1">
+                    <a:lumMod val="50000"/>
+                    <a:lumOff val="50000"/>
+                  </a:schemeClr>
+                </a:solidFill>
+              </a:rPr>
+              <a:t>si nécessaire</a:t>
+            </a:r>
+          </a:p>
+          <a:p>
+            <a:pPr marL="800100" lvl="1" indent="-342900">
+              <a:buFontTx/>
+              <a:buChar char="-"/>
+            </a:pPr>
+            <a:r>
+              <a:rPr lang="fr-FR" sz="2000" dirty="0"/>
+              <a:t>Demande de l’aide des formulaires (voir page </a:t>
+            </a:r>
+            <a:r>
+              <a:rPr lang="fr-FR" sz="2000" dirty="0" err="1"/>
+              <a:t>Forms</a:t>
+            </a:r>
+            <a:r>
+              <a:rPr lang="fr-FR" sz="2000" dirty="0"/>
+              <a:t>) </a:t>
+            </a:r>
+            <a:r>
+              <a:rPr lang="fr-FR" sz="2000" i="1" dirty="0">
+                <a:solidFill>
+                  <a:schemeClr val="tx1">
+                    <a:lumMod val="50000"/>
+                    <a:lumOff val="50000"/>
+                  </a:schemeClr>
+                </a:solidFill>
+              </a:rPr>
+              <a:t>si nécessaire</a:t>
+            </a:r>
+          </a:p>
+          <a:p>
+            <a:endParaRPr lang="fr-FR" sz="2400" b="1" dirty="0"/>
+          </a:p>
+          <a:p>
+            <a:endParaRPr lang="fr-FR" sz="2400" b="1" dirty="0"/>
+          </a:p>
+          <a:p>
+            <a:pPr marL="800100" lvl="1" indent="-342900">
+              <a:buFontTx/>
+              <a:buChar char="-"/>
+            </a:pPr>
+            <a:r>
+              <a:rPr lang="fr-FR" sz="2000" dirty="0"/>
+              <a:t>Etablit la liste des informations nécessaires pour la réponse</a:t>
+            </a:r>
+          </a:p>
+          <a:p>
+            <a:endParaRPr lang="fr-FR" sz="2000" dirty="0"/>
+          </a:p>
+          <a:p>
+            <a:endParaRPr lang="fr-FR" sz="2400" b="1" dirty="0"/>
+          </a:p>
+          <a:p>
+            <a:pPr marL="800100" lvl="1" indent="-342900">
+              <a:buFontTx/>
+              <a:buChar char="-"/>
+            </a:pPr>
+            <a:r>
+              <a:rPr lang="fr-FR" sz="2000" dirty="0"/>
+              <a:t>Construit une réponse, sur la base d’un </a:t>
+            </a:r>
+            <a:r>
+              <a:rPr lang="fr-FR" sz="2000" dirty="0" err="1"/>
+              <a:t>template</a:t>
+            </a:r>
+            <a:r>
+              <a:rPr lang="fr-FR" sz="2000" dirty="0"/>
+              <a:t> (voir page </a:t>
+            </a:r>
+            <a:r>
+              <a:rPr lang="fr-FR" sz="2000" dirty="0" err="1"/>
+              <a:t>Templates</a:t>
+            </a:r>
+            <a:r>
+              <a:rPr lang="fr-FR" sz="2000" dirty="0"/>
+              <a:t>) avec les informations établies</a:t>
+            </a:r>
+          </a:p>
+          <a:p>
+            <a:endParaRPr lang="fr-FR" sz="2000" dirty="0"/>
+          </a:p>
+          <a:p>
+            <a:endParaRPr lang="fr-FR" sz="2400" b="1" dirty="0"/>
+          </a:p>
+          <a:p>
+            <a:pPr marL="800100" lvl="1" indent="-342900">
+              <a:buFontTx/>
+              <a:buChar char="-"/>
+            </a:pPr>
+            <a:r>
+              <a:rPr lang="fr-FR" sz="2000" dirty="0"/>
+              <a:t>Renvoie la réponse au client</a:t>
+            </a:r>
+          </a:p>
+        </p:txBody>
+      </p:sp>
+      <p:sp>
+        <p:nvSpPr>
+          <p:cNvPr id="4" name="ZoneTexte 3">
+            <a:extLst>
+              <a:ext uri="{FF2B5EF4-FFF2-40B4-BE49-F238E27FC236}">
+                <a16:creationId xmlns:a16="http://schemas.microsoft.com/office/drawing/2014/main" id="{59CFEBE1-65E2-674A-9B68-329BAE1D43FC}"/>
+              </a:ext>
+            </a:extLst>
+          </p:cNvPr>
+          <p:cNvSpPr txBox="1"/>
+          <p:nvPr/>
+        </p:nvSpPr>
+        <p:spPr>
+          <a:xfrm>
+            <a:off x="295275" y="1601924"/>
+            <a:ext cx="367408" cy="523220"/>
+          </a:xfrm>
+          <a:prstGeom prst="rect">
+            <a:avLst/>
+          </a:prstGeom>
+          <a:noFill/>
+        </p:spPr>
+        <p:txBody>
+          <a:bodyPr wrap="none" rtlCol="0">
+            <a:spAutoFit/>
+          </a:bodyPr>
+          <a:lstStyle/>
+          <a:p>
+            <a:r>
+              <a:rPr lang="fr-FR" sz="2800" dirty="0"/>
+              <a:t>1</a:t>
+            </a:r>
+          </a:p>
+        </p:txBody>
+      </p:sp>
+      <p:sp>
+        <p:nvSpPr>
+          <p:cNvPr id="9" name="ZoneTexte 8">
+            <a:extLst>
+              <a:ext uri="{FF2B5EF4-FFF2-40B4-BE49-F238E27FC236}">
+                <a16:creationId xmlns:a16="http://schemas.microsoft.com/office/drawing/2014/main" id="{B9B9BCF4-5AFF-F84C-92AA-9D0018CB7B62}"/>
+              </a:ext>
+            </a:extLst>
+          </p:cNvPr>
+          <p:cNvSpPr txBox="1"/>
+          <p:nvPr/>
+        </p:nvSpPr>
+        <p:spPr>
+          <a:xfrm>
+            <a:off x="295275" y="2929316"/>
+            <a:ext cx="367408" cy="523220"/>
+          </a:xfrm>
+          <a:prstGeom prst="rect">
+            <a:avLst/>
+          </a:prstGeom>
+          <a:noFill/>
+        </p:spPr>
+        <p:txBody>
+          <a:bodyPr wrap="none" rtlCol="0">
+            <a:spAutoFit/>
+          </a:bodyPr>
+          <a:lstStyle/>
+          <a:p>
+            <a:r>
+              <a:rPr lang="fr-FR" sz="2800" dirty="0"/>
+              <a:t>2</a:t>
+            </a:r>
+          </a:p>
+        </p:txBody>
+      </p:sp>
+      <p:sp>
+        <p:nvSpPr>
+          <p:cNvPr id="10" name="ZoneTexte 9">
+            <a:extLst>
+              <a:ext uri="{FF2B5EF4-FFF2-40B4-BE49-F238E27FC236}">
+                <a16:creationId xmlns:a16="http://schemas.microsoft.com/office/drawing/2014/main" id="{93BD21FC-A756-864E-AA88-7CAB3C287D8C}"/>
+              </a:ext>
+            </a:extLst>
+          </p:cNvPr>
+          <p:cNvSpPr txBox="1"/>
+          <p:nvPr/>
+        </p:nvSpPr>
+        <p:spPr>
+          <a:xfrm>
+            <a:off x="322795" y="4256708"/>
+            <a:ext cx="367408" cy="523220"/>
+          </a:xfrm>
+          <a:prstGeom prst="rect">
+            <a:avLst/>
+          </a:prstGeom>
+          <a:noFill/>
+        </p:spPr>
+        <p:txBody>
+          <a:bodyPr wrap="none" rtlCol="0">
+            <a:spAutoFit/>
+          </a:bodyPr>
+          <a:lstStyle/>
+          <a:p>
+            <a:r>
+              <a:rPr lang="fr-FR" sz="2800" dirty="0"/>
+              <a:t>3</a:t>
+            </a:r>
+          </a:p>
+        </p:txBody>
+      </p:sp>
+      <p:sp>
+        <p:nvSpPr>
+          <p:cNvPr id="11" name="ZoneTexte 10">
+            <a:extLst>
+              <a:ext uri="{FF2B5EF4-FFF2-40B4-BE49-F238E27FC236}">
+                <a16:creationId xmlns:a16="http://schemas.microsoft.com/office/drawing/2014/main" id="{63C33506-E270-204E-9F25-4A1A736C0A01}"/>
+              </a:ext>
+            </a:extLst>
+          </p:cNvPr>
+          <p:cNvSpPr txBox="1"/>
+          <p:nvPr/>
+        </p:nvSpPr>
+        <p:spPr>
+          <a:xfrm>
+            <a:off x="328799" y="5231904"/>
+            <a:ext cx="367408" cy="523220"/>
+          </a:xfrm>
+          <a:prstGeom prst="rect">
+            <a:avLst/>
+          </a:prstGeom>
+          <a:noFill/>
+        </p:spPr>
+        <p:txBody>
+          <a:bodyPr wrap="none" rtlCol="0">
+            <a:spAutoFit/>
+          </a:bodyPr>
+          <a:lstStyle/>
+          <a:p>
+            <a:r>
+              <a:rPr lang="fr-FR" sz="2800" dirty="0"/>
+              <a:t>4</a:t>
+            </a:r>
+          </a:p>
+        </p:txBody>
+      </p:sp>
+      <p:sp>
+        <p:nvSpPr>
+          <p:cNvPr id="12" name="ZoneTexte 11">
+            <a:extLst>
+              <a:ext uri="{FF2B5EF4-FFF2-40B4-BE49-F238E27FC236}">
+                <a16:creationId xmlns:a16="http://schemas.microsoft.com/office/drawing/2014/main" id="{3E61D2C1-41F8-A048-91D6-92FDADEBFC88}"/>
+              </a:ext>
+            </a:extLst>
+          </p:cNvPr>
+          <p:cNvSpPr txBox="1"/>
+          <p:nvPr/>
+        </p:nvSpPr>
+        <p:spPr>
+          <a:xfrm>
+            <a:off x="322795" y="6244093"/>
+            <a:ext cx="367408" cy="523220"/>
+          </a:xfrm>
+          <a:prstGeom prst="rect">
+            <a:avLst/>
+          </a:prstGeom>
+          <a:noFill/>
+        </p:spPr>
+        <p:txBody>
+          <a:bodyPr wrap="none" rtlCol="0">
+            <a:spAutoFit/>
+          </a:bodyPr>
+          <a:lstStyle/>
+          <a:p>
+            <a:r>
+              <a:rPr lang="fr-FR" sz="2800" dirty="0"/>
+              <a:t>5</a:t>
+            </a:r>
+          </a:p>
+        </p:txBody>
+      </p:sp>
     </p:spTree>
     <p:extLst>
       <p:ext uri="{BB962C8B-B14F-4D97-AF65-F5344CB8AC3E}">
@@ -6155,11 +6621,11 @@
             </a:r>
             <a:r>
               <a:rPr lang="fr-FR" sz="3600" b="1" dirty="0"/>
-              <a:t>modèles</a:t>
+              <a:t>vues</a:t>
             </a:r>
             <a:r>
               <a:rPr lang="fr-FR" sz="3600" dirty="0"/>
-              <a:t> qui stockent</a:t>
+              <a:t> qui traitent 2/2</a:t>
             </a:r>
             <a:endParaRPr lang="fr-FR" dirty="0"/>
           </a:p>
@@ -6179,8 +6645,8 @@
         </p:nvSpPr>
         <p:spPr>
           <a:xfrm>
-            <a:off x="7820128" y="889566"/>
-            <a:ext cx="3953005" cy="369332"/>
+            <a:off x="6372113" y="889566"/>
+            <a:ext cx="5697457" cy="646331"/>
           </a:xfrm>
           <a:prstGeom prst="rect">
             <a:avLst/>
@@ -6192,6 +6658,7 @@
           </a:bodyPr>
           <a:lstStyle/>
           <a:p>
+            <a:pPr algn="r"/>
             <a:r>
               <a:rPr lang="fr-FR" dirty="0">
                 <a:hlinkClick r:id="rId2"/>
@@ -6200,11 +6667,21 @@
             </a:r>
             <a:endParaRPr lang="fr-FR" dirty="0"/>
           </a:p>
+          <a:p>
+            <a:pPr algn="r"/>
+            <a:r>
+              <a:rPr lang="fr-FR" dirty="0">
+                <a:hlinkClick r:id="rId3"/>
+              </a:rPr>
+              <a:t>https://docs.djangoproject.com/en/2.2/topics/http/views/</a:t>
+            </a:r>
+            <a:endParaRPr lang="fr-FR" dirty="0"/>
+          </a:p>
         </p:txBody>
       </p:sp>
       <p:pic>
         <p:nvPicPr>
-          <p:cNvPr id="5" name="Image 4" descr="Une image contenant clipart&#10;&#10;Description générée automatiquement">
+          <p:cNvPr id="6" name="Image 5" descr="Une image contenant clipart&#10;&#10;Description générée automatiquement">
             <a:extLst>
               <a:ext uri="{FF2B5EF4-FFF2-40B4-BE49-F238E27FC236}">
                 <a16:creationId xmlns:a16="http://schemas.microsoft.com/office/drawing/2014/main" id="{9144423E-3030-C445-8D80-95B3D41A5F02}"/>
@@ -6217,25 +6694,109 @@
           <p:nvPr/>
         </p:nvPicPr>
         <p:blipFill>
-          <a:blip r:embed="rId3"/>
+          <a:blip r:embed="rId4"/>
           <a:stretch>
             <a:fillRect/>
           </a:stretch>
         </p:blipFill>
         <p:spPr>
           <a:xfrm>
-            <a:off x="10239271" y="1367966"/>
-            <a:ext cx="1447800" cy="596900"/>
+            <a:off x="419333" y="252929"/>
+            <a:ext cx="1123717" cy="463287"/>
           </a:xfrm>
           <a:prstGeom prst="rect">
             <a:avLst/>
           </a:prstGeom>
         </p:spPr>
       </p:pic>
+      <p:sp>
+        <p:nvSpPr>
+          <p:cNvPr id="4" name="Rectangle 3">
+            <a:extLst>
+              <a:ext uri="{FF2B5EF4-FFF2-40B4-BE49-F238E27FC236}">
+                <a16:creationId xmlns:a16="http://schemas.microsoft.com/office/drawing/2014/main" id="{C9945787-D590-5040-BC33-86C1D0EC2F6B}"/>
+              </a:ext>
+            </a:extLst>
+          </p:cNvPr>
+          <p:cNvSpPr/>
+          <p:nvPr/>
+        </p:nvSpPr>
+        <p:spPr>
+          <a:xfrm>
+            <a:off x="7566212" y="3105834"/>
+            <a:ext cx="4299473" cy="646331"/>
+          </a:xfrm>
+          <a:prstGeom prst="rect">
+            <a:avLst/>
+          </a:prstGeom>
+        </p:spPr>
+        <p:txBody>
+          <a:bodyPr wrap="square">
+            <a:spAutoFit/>
+          </a:bodyPr>
+          <a:lstStyle/>
+          <a:p>
+            <a:r>
+              <a:rPr lang="fr-FR" dirty="0">
+                <a:hlinkClick r:id="rId5"/>
+              </a:rPr>
+              <a:t>https://github.com/borgia-app/Borgia/blob/master/modules/views.py</a:t>
+            </a:r>
+            <a:endParaRPr lang="fr-FR" dirty="0"/>
+          </a:p>
+        </p:txBody>
+      </p:sp>
+      <p:sp>
+        <p:nvSpPr>
+          <p:cNvPr id="8" name="ZoneTexte 7">
+            <a:extLst>
+              <a:ext uri="{FF2B5EF4-FFF2-40B4-BE49-F238E27FC236}">
+                <a16:creationId xmlns:a16="http://schemas.microsoft.com/office/drawing/2014/main" id="{011826BE-4AFA-2C4B-A19D-0D3687258123}"/>
+              </a:ext>
+            </a:extLst>
+          </p:cNvPr>
+          <p:cNvSpPr txBox="1"/>
+          <p:nvPr/>
+        </p:nvSpPr>
+        <p:spPr>
+          <a:xfrm>
+            <a:off x="279698" y="5322102"/>
+            <a:ext cx="8369450" cy="400110"/>
+          </a:xfrm>
+          <a:prstGeom prst="rect">
+            <a:avLst/>
+          </a:prstGeom>
+          <a:noFill/>
+        </p:spPr>
+        <p:txBody>
+          <a:bodyPr wrap="square" rtlCol="0">
+            <a:spAutoFit/>
+          </a:bodyPr>
+          <a:lstStyle/>
+          <a:p>
+            <a:pPr marL="342900" indent="-342900">
+              <a:buFontTx/>
+              <a:buChar char="-"/>
+            </a:pPr>
+            <a:r>
+              <a:rPr lang="fr-FR" sz="2000" dirty="0"/>
+              <a:t>Fichiers  « </a:t>
+            </a:r>
+            <a:r>
+              <a:rPr lang="fr-FR" sz="2000" dirty="0" err="1"/>
+              <a:t>views.py</a:t>
+            </a:r>
+            <a:r>
+              <a:rPr lang="fr-FR" sz="2000" dirty="0"/>
+              <a:t> » dans chaque application</a:t>
+            </a:r>
+          </a:p>
+        </p:txBody>
+      </p:sp>
     </p:spTree>
     <p:extLst>
       <p:ext uri="{BB962C8B-B14F-4D97-AF65-F5344CB8AC3E}">
-        <p14:creationId xmlns:p14="http://schemas.microsoft.com/office/powerpoint/2010/main" val="1637981168"/>
+        <p14:creationId xmlns:p14="http://schemas.microsoft.com/office/powerpoint/2010/main" val="908330117"/>
       </p:ext>
     </p:extLst>
   </p:cSld>
@@ -6320,7 +6881,7 @@
         <p:spPr>
           <a:xfrm>
             <a:off x="279698" y="751067"/>
-            <a:ext cx="6863380" cy="646331"/>
+            <a:ext cx="6863380" cy="1200329"/>
           </a:xfrm>
           <a:prstGeom prst="rect">
             <a:avLst/>
@@ -6338,14 +6899,19 @@
               <a:t>Des </a:t>
             </a:r>
             <a:r>
-              <a:rPr lang="fr-FR" sz="3600" b="1" dirty="0" err="1"/>
-              <a:t>templates</a:t>
+              <a:rPr lang="fr-FR" sz="3600" b="1" dirty="0"/>
+              <a:t>modèles</a:t>
             </a:r>
             <a:r>
               <a:rPr lang="fr-FR" sz="3600" dirty="0"/>
-              <a:t> qui affichent</a:t>
-            </a:r>
-            <a:endParaRPr lang="fr-FR" dirty="0"/>
+              <a:t> qui gèrent</a:t>
+            </a:r>
+          </a:p>
+          <a:p>
+            <a:r>
+              <a:rPr lang="fr-FR" sz="3600" dirty="0"/>
+              <a:t>l’information</a:t>
+            </a:r>
           </a:p>
         </p:txBody>
       </p:sp>
@@ -6363,8 +6929,8 @@
         </p:nvSpPr>
         <p:spPr>
           <a:xfrm>
-            <a:off x="7820128" y="889566"/>
-            <a:ext cx="3953005" cy="369332"/>
+            <a:off x="6372113" y="889566"/>
+            <a:ext cx="5710859" cy="646331"/>
           </a:xfrm>
           <a:prstGeom prst="rect">
             <a:avLst/>
@@ -6376,6 +6942,7 @@
           </a:bodyPr>
           <a:lstStyle/>
           <a:p>
+            <a:pPr algn="r"/>
             <a:r>
               <a:rPr lang="fr-FR" dirty="0">
                 <a:hlinkClick r:id="rId2"/>
@@ -6384,11 +6951,21 @@
             </a:r>
             <a:endParaRPr lang="fr-FR" dirty="0"/>
           </a:p>
+          <a:p>
+            <a:pPr algn="r"/>
+            <a:r>
+              <a:rPr lang="fr-FR" dirty="0">
+                <a:hlinkClick r:id="rId3"/>
+              </a:rPr>
+              <a:t>https://docs.djangoproject.com/en/2.2/topics/db/models/</a:t>
+            </a:r>
+            <a:endParaRPr lang="fr-FR" dirty="0"/>
+          </a:p>
         </p:txBody>
       </p:sp>
       <p:pic>
         <p:nvPicPr>
-          <p:cNvPr id="5" name="Image 4" descr="Une image contenant clipart&#10;&#10;Description générée automatiquement">
+          <p:cNvPr id="6" name="Image 5" descr="Une image contenant clipart&#10;&#10;Description générée automatiquement">
             <a:extLst>
               <a:ext uri="{FF2B5EF4-FFF2-40B4-BE49-F238E27FC236}">
                 <a16:creationId xmlns:a16="http://schemas.microsoft.com/office/drawing/2014/main" id="{9144423E-3030-C445-8D80-95B3D41A5F02}"/>
@@ -6401,25 +6978,264 @@
           <p:nvPr/>
         </p:nvPicPr>
         <p:blipFill>
-          <a:blip r:embed="rId3"/>
+          <a:blip r:embed="rId4"/>
           <a:stretch>
             <a:fillRect/>
           </a:stretch>
         </p:blipFill>
         <p:spPr>
           <a:xfrm>
-            <a:off x="10239271" y="1367966"/>
-            <a:ext cx="1447800" cy="596900"/>
+            <a:off x="419333" y="252929"/>
+            <a:ext cx="1123717" cy="463287"/>
           </a:xfrm>
           <a:prstGeom prst="rect">
             <a:avLst/>
           </a:prstGeom>
         </p:spPr>
       </p:pic>
+      <p:sp>
+        <p:nvSpPr>
+          <p:cNvPr id="8" name="ZoneTexte 7">
+            <a:extLst>
+              <a:ext uri="{FF2B5EF4-FFF2-40B4-BE49-F238E27FC236}">
+                <a16:creationId xmlns:a16="http://schemas.microsoft.com/office/drawing/2014/main" id="{6F8B377B-D701-134E-B7A9-FEA0F1BABFBD}"/>
+              </a:ext>
+            </a:extLst>
+          </p:cNvPr>
+          <p:cNvSpPr txBox="1"/>
+          <p:nvPr/>
+        </p:nvSpPr>
+        <p:spPr>
+          <a:xfrm>
+            <a:off x="-204395" y="2157708"/>
+            <a:ext cx="4894729" cy="3477875"/>
+          </a:xfrm>
+          <a:prstGeom prst="rect">
+            <a:avLst/>
+          </a:prstGeom>
+          <a:noFill/>
+        </p:spPr>
+        <p:txBody>
+          <a:bodyPr wrap="square" rtlCol="0">
+            <a:spAutoFit/>
+          </a:bodyPr>
+          <a:lstStyle/>
+          <a:p>
+            <a:pPr marL="800100" lvl="1" indent="-342900">
+              <a:buFontTx/>
+              <a:buChar char="-"/>
+            </a:pPr>
+            <a:r>
+              <a:rPr lang="fr-FR" sz="2000" dirty="0"/>
+              <a:t>Lien entre la base de données</a:t>
+            </a:r>
+          </a:p>
+          <a:p>
+            <a:pPr lvl="1"/>
+            <a:r>
+              <a:rPr lang="fr-FR" sz="2000" dirty="0"/>
+              <a:t>      et le langage Python</a:t>
+            </a:r>
+          </a:p>
+          <a:p>
+            <a:pPr lvl="1"/>
+            <a:endParaRPr lang="fr-FR" sz="2000" dirty="0"/>
+          </a:p>
+          <a:p>
+            <a:pPr marL="800100" lvl="1" indent="-342900">
+              <a:buFontTx/>
+              <a:buChar char="-"/>
+            </a:pPr>
+            <a:r>
+              <a:rPr lang="fr-FR" sz="2000" dirty="0"/>
+              <a:t>Déclaration des attributs</a:t>
+            </a:r>
+          </a:p>
+          <a:p>
+            <a:pPr marL="800100" lvl="1" indent="-342900">
+              <a:buFontTx/>
+              <a:buChar char="-"/>
+            </a:pPr>
+            <a:r>
+              <a:rPr lang="fr-FR" sz="2000" dirty="0"/>
+              <a:t>Déclaration des liens entre modèles</a:t>
+            </a:r>
+          </a:p>
+          <a:p>
+            <a:pPr marL="800100" lvl="1" indent="-342900">
+              <a:buFontTx/>
+              <a:buChar char="-"/>
+            </a:pPr>
+            <a:endParaRPr lang="fr-FR" sz="2000" dirty="0"/>
+          </a:p>
+          <a:p>
+            <a:pPr marL="800100" lvl="1" indent="-342900">
+              <a:buFontTx/>
+              <a:buChar char="-"/>
+            </a:pPr>
+            <a:r>
+              <a:rPr lang="fr-FR" sz="2000" dirty="0"/>
+              <a:t>ORM très complet</a:t>
+            </a:r>
+          </a:p>
+          <a:p>
+            <a:pPr lvl="1"/>
+            <a:r>
+              <a:rPr lang="fr-FR" sz="2000" dirty="0"/>
+              <a:t>      Création, mise à jour, suppression, </a:t>
+            </a:r>
+          </a:p>
+          <a:p>
+            <a:pPr lvl="1"/>
+            <a:endParaRPr lang="fr-FR" sz="2000" dirty="0"/>
+          </a:p>
+          <a:p>
+            <a:pPr marL="800100" lvl="1" indent="-342900">
+              <a:buFontTx/>
+              <a:buChar char="-"/>
+            </a:pPr>
+            <a:r>
+              <a:rPr lang="fr-FR" sz="2000" dirty="0"/>
+              <a:t>Gestion des migrations</a:t>
+            </a:r>
+          </a:p>
+          <a:p>
+            <a:pPr marL="800100" lvl="1" indent="-342900">
+              <a:buFontTx/>
+              <a:buChar char="-"/>
+            </a:pPr>
+            <a:endParaRPr lang="fr-FR" sz="2000" dirty="0"/>
+          </a:p>
+        </p:txBody>
+      </p:sp>
+      <p:sp>
+        <p:nvSpPr>
+          <p:cNvPr id="9" name="Rectangle 8">
+            <a:extLst>
+              <a:ext uri="{FF2B5EF4-FFF2-40B4-BE49-F238E27FC236}">
+                <a16:creationId xmlns:a16="http://schemas.microsoft.com/office/drawing/2014/main" id="{E09BCE3A-02FE-0C48-A1A3-FF7588C40A87}"/>
+              </a:ext>
+            </a:extLst>
+          </p:cNvPr>
+          <p:cNvSpPr/>
+          <p:nvPr/>
+        </p:nvSpPr>
+        <p:spPr>
+          <a:xfrm>
+            <a:off x="619018" y="5269385"/>
+            <a:ext cx="3425857" cy="646331"/>
+          </a:xfrm>
+          <a:prstGeom prst="rect">
+            <a:avLst/>
+          </a:prstGeom>
+        </p:spPr>
+        <p:txBody>
+          <a:bodyPr wrap="square">
+            <a:spAutoFit/>
+          </a:bodyPr>
+          <a:lstStyle/>
+          <a:p>
+            <a:r>
+              <a:rPr lang="fr-FR" dirty="0">
+                <a:hlinkClick r:id="rId5"/>
+              </a:rPr>
+              <a:t>https://docs.djangoproject.com/fr/2.2/topics/db/queries/</a:t>
+            </a:r>
+            <a:endParaRPr lang="fr-FR" dirty="0"/>
+          </a:p>
+        </p:txBody>
+      </p:sp>
+      <p:pic>
+        <p:nvPicPr>
+          <p:cNvPr id="11" name="Image 10" descr="Une image contenant texte, capture d’écran&#10;&#10;Description générée automatiquement">
+            <a:extLst>
+              <a:ext uri="{FF2B5EF4-FFF2-40B4-BE49-F238E27FC236}">
+                <a16:creationId xmlns:a16="http://schemas.microsoft.com/office/drawing/2014/main" id="{6173CCF1-64D7-D447-A70A-489E142A53EB}"/>
+              </a:ext>
+            </a:extLst>
+          </p:cNvPr>
+          <p:cNvPicPr>
+            <a:picLocks noChangeAspect="1"/>
+          </p:cNvPicPr>
+          <p:nvPr/>
+        </p:nvPicPr>
+        <p:blipFill>
+          <a:blip r:embed="rId6"/>
+          <a:stretch>
+            <a:fillRect/>
+          </a:stretch>
+        </p:blipFill>
+        <p:spPr>
+          <a:xfrm>
+            <a:off x="4868288" y="2372539"/>
+            <a:ext cx="6863380" cy="3292628"/>
+          </a:xfrm>
+          <a:prstGeom prst="rect">
+            <a:avLst/>
+          </a:prstGeom>
+          <a:ln>
+            <a:noFill/>
+          </a:ln>
+          <a:effectLst>
+            <a:outerShdw blurRad="292100" dist="139700" dir="2700000" algn="tl" rotWithShape="0">
+              <a:srgbClr val="333333">
+                <a:alpha val="65000"/>
+              </a:srgbClr>
+            </a:outerShdw>
+          </a:effectLst>
+        </p:spPr>
+      </p:pic>
+      <p:sp>
+        <p:nvSpPr>
+          <p:cNvPr id="12" name="ZoneTexte 11">
+            <a:extLst>
+              <a:ext uri="{FF2B5EF4-FFF2-40B4-BE49-F238E27FC236}">
+                <a16:creationId xmlns:a16="http://schemas.microsoft.com/office/drawing/2014/main" id="{7FEA48FF-6256-974E-BB93-AAD63C33D762}"/>
+              </a:ext>
+            </a:extLst>
+          </p:cNvPr>
+          <p:cNvSpPr txBox="1"/>
+          <p:nvPr/>
+        </p:nvSpPr>
+        <p:spPr>
+          <a:xfrm>
+            <a:off x="193637" y="6177834"/>
+            <a:ext cx="8369450" cy="400110"/>
+          </a:xfrm>
+          <a:prstGeom prst="rect">
+            <a:avLst/>
+          </a:prstGeom>
+          <a:noFill/>
+        </p:spPr>
+        <p:txBody>
+          <a:bodyPr wrap="square" rtlCol="0">
+            <a:spAutoFit/>
+          </a:bodyPr>
+          <a:lstStyle/>
+          <a:p>
+            <a:pPr marL="342900" indent="-342900">
+              <a:buFontTx/>
+              <a:buChar char="-"/>
+            </a:pPr>
+            <a:r>
+              <a:rPr lang="fr-FR" sz="2000" dirty="0"/>
+              <a:t>Fichiers  « </a:t>
+            </a:r>
+            <a:r>
+              <a:rPr lang="fr-FR" sz="2000" dirty="0" err="1"/>
+              <a:t>models.py</a:t>
+            </a:r>
+            <a:r>
+              <a:rPr lang="fr-FR" sz="2000" dirty="0"/>
+              <a:t> » dans chaque application</a:t>
+            </a:r>
+          </a:p>
+        </p:txBody>
+      </p:sp>
     </p:spTree>
     <p:extLst>
       <p:ext uri="{BB962C8B-B14F-4D97-AF65-F5344CB8AC3E}">
-        <p14:creationId xmlns:p14="http://schemas.microsoft.com/office/powerpoint/2010/main" val="1809346720"/>
+        <p14:creationId xmlns:p14="http://schemas.microsoft.com/office/powerpoint/2010/main" val="1637981168"/>
       </p:ext>
     </p:extLst>
   </p:cSld>
@@ -6504,7 +7320,7 @@
         <p:spPr>
           <a:xfrm>
             <a:off x="279698" y="751067"/>
-            <a:ext cx="6863380" cy="1200329"/>
+            <a:ext cx="5916707" cy="1200329"/>
           </a:xfrm>
           <a:prstGeom prst="rect">
             <a:avLst/>
@@ -6519,23 +7335,16 @@
           <a:p>
             <a:r>
               <a:rPr lang="fr-FR" sz="3600" dirty="0"/>
-              <a:t>Un </a:t>
-            </a:r>
-            <a:r>
-              <a:rPr lang="fr-FR" sz="3600" b="1" dirty="0"/>
-              <a:t>exemple</a:t>
+              <a:t>Des </a:t>
+            </a:r>
+            <a:r>
+              <a:rPr lang="fr-FR" sz="3600" b="1" dirty="0" err="1"/>
+              <a:t>forms</a:t>
             </a:r>
             <a:r>
               <a:rPr lang="fr-FR" sz="3600" dirty="0"/>
-              <a:t> concret</a:t>
-            </a:r>
-          </a:p>
-          <a:p>
-            <a:r>
-              <a:rPr lang="fr-FR" sz="3600" dirty="0"/>
-              <a:t>Création d’un utilisateur</a:t>
-            </a:r>
-            <a:endParaRPr lang="fr-FR" dirty="0"/>
+              <a:t> pour la relation avec l’utilisateur</a:t>
+            </a:r>
           </a:p>
         </p:txBody>
       </p:sp>
@@ -6553,8 +7362,8 @@
         </p:nvSpPr>
         <p:spPr>
           <a:xfrm>
-            <a:off x="7820128" y="889566"/>
-            <a:ext cx="3953005" cy="369332"/>
+            <a:off x="6372113" y="889566"/>
+            <a:ext cx="5710859" cy="646331"/>
           </a:xfrm>
           <a:prstGeom prst="rect">
             <a:avLst/>
@@ -6566,6 +7375,7 @@
           </a:bodyPr>
           <a:lstStyle/>
           <a:p>
+            <a:pPr algn="r"/>
             <a:r>
               <a:rPr lang="fr-FR" dirty="0">
                 <a:hlinkClick r:id="rId2"/>
@@ -6574,11 +7384,21 @@
             </a:r>
             <a:endParaRPr lang="fr-FR" dirty="0"/>
           </a:p>
+          <a:p>
+            <a:pPr algn="r"/>
+            <a:r>
+              <a:rPr lang="fr-FR" dirty="0">
+                <a:hlinkClick r:id="rId3"/>
+              </a:rPr>
+              <a:t>https://docs.djangoproject.com/en/2.2/topics/db/models/</a:t>
+            </a:r>
+            <a:endParaRPr lang="fr-FR" dirty="0"/>
+          </a:p>
         </p:txBody>
       </p:sp>
       <p:pic>
         <p:nvPicPr>
-          <p:cNvPr id="5" name="Image 4" descr="Une image contenant clipart&#10;&#10;Description générée automatiquement">
+          <p:cNvPr id="6" name="Image 5" descr="Une image contenant clipart&#10;&#10;Description générée automatiquement">
             <a:extLst>
               <a:ext uri="{FF2B5EF4-FFF2-40B4-BE49-F238E27FC236}">
                 <a16:creationId xmlns:a16="http://schemas.microsoft.com/office/drawing/2014/main" id="{9144423E-3030-C445-8D80-95B3D41A5F02}"/>
@@ -6591,25 +7411,212 @@
           <p:nvPr/>
         </p:nvPicPr>
         <p:blipFill>
-          <a:blip r:embed="rId3"/>
+          <a:blip r:embed="rId4"/>
           <a:stretch>
             <a:fillRect/>
           </a:stretch>
         </p:blipFill>
         <p:spPr>
           <a:xfrm>
-            <a:off x="10239271" y="1367966"/>
-            <a:ext cx="1447800" cy="596900"/>
+            <a:off x="419333" y="252929"/>
+            <a:ext cx="1123717" cy="463287"/>
           </a:xfrm>
           <a:prstGeom prst="rect">
             <a:avLst/>
           </a:prstGeom>
         </p:spPr>
       </p:pic>
+      <p:sp>
+        <p:nvSpPr>
+          <p:cNvPr id="8" name="ZoneTexte 7">
+            <a:extLst>
+              <a:ext uri="{FF2B5EF4-FFF2-40B4-BE49-F238E27FC236}">
+                <a16:creationId xmlns:a16="http://schemas.microsoft.com/office/drawing/2014/main" id="{6F8B377B-D701-134E-B7A9-FEA0F1BABFBD}"/>
+              </a:ext>
+            </a:extLst>
+          </p:cNvPr>
+          <p:cNvSpPr txBox="1"/>
+          <p:nvPr/>
+        </p:nvSpPr>
+        <p:spPr>
+          <a:xfrm>
+            <a:off x="-204395" y="2157708"/>
+            <a:ext cx="4894729" cy="1323439"/>
+          </a:xfrm>
+          <a:prstGeom prst="rect">
+            <a:avLst/>
+          </a:prstGeom>
+          <a:noFill/>
+        </p:spPr>
+        <p:txBody>
+          <a:bodyPr wrap="square" rtlCol="0">
+            <a:spAutoFit/>
+          </a:bodyPr>
+          <a:lstStyle/>
+          <a:p>
+            <a:pPr marL="800100" lvl="1" indent="-342900">
+              <a:buFontTx/>
+              <a:buChar char="-"/>
+            </a:pPr>
+            <a:r>
+              <a:rPr lang="fr-FR" sz="2000" dirty="0"/>
+              <a:t>Création simplifiée de formulaires</a:t>
+            </a:r>
+          </a:p>
+          <a:p>
+            <a:pPr marL="800100" lvl="1" indent="-342900">
+              <a:buFontTx/>
+              <a:buChar char="-"/>
+            </a:pPr>
+            <a:endParaRPr lang="fr-FR" sz="2000" dirty="0"/>
+          </a:p>
+          <a:p>
+            <a:pPr marL="800100" lvl="1" indent="-342900">
+              <a:buFontTx/>
+              <a:buChar char="-"/>
+            </a:pPr>
+            <a:r>
+              <a:rPr lang="fr-FR" sz="2000" dirty="0"/>
+              <a:t>Gestion simplifiée</a:t>
+            </a:r>
+          </a:p>
+          <a:p>
+            <a:pPr marL="800100" lvl="1" indent="-342900">
+              <a:buFontTx/>
+              <a:buChar char="-"/>
+            </a:pPr>
+            <a:endParaRPr lang="fr-FR" sz="2000" dirty="0"/>
+          </a:p>
+        </p:txBody>
+      </p:sp>
+      <p:sp>
+        <p:nvSpPr>
+          <p:cNvPr id="12" name="ZoneTexte 11">
+            <a:extLst>
+              <a:ext uri="{FF2B5EF4-FFF2-40B4-BE49-F238E27FC236}">
+                <a16:creationId xmlns:a16="http://schemas.microsoft.com/office/drawing/2014/main" id="{7FEA48FF-6256-974E-BB93-AAD63C33D762}"/>
+              </a:ext>
+            </a:extLst>
+          </p:cNvPr>
+          <p:cNvSpPr txBox="1"/>
+          <p:nvPr/>
+        </p:nvSpPr>
+        <p:spPr>
+          <a:xfrm>
+            <a:off x="279698" y="6137005"/>
+            <a:ext cx="8369450" cy="400110"/>
+          </a:xfrm>
+          <a:prstGeom prst="rect">
+            <a:avLst/>
+          </a:prstGeom>
+          <a:noFill/>
+        </p:spPr>
+        <p:txBody>
+          <a:bodyPr wrap="square" rtlCol="0">
+            <a:spAutoFit/>
+          </a:bodyPr>
+          <a:lstStyle/>
+          <a:p>
+            <a:pPr marL="342900" indent="-342900">
+              <a:buFontTx/>
+              <a:buChar char="-"/>
+            </a:pPr>
+            <a:r>
+              <a:rPr lang="fr-FR" sz="2000" dirty="0"/>
+              <a:t>Fichiers  « </a:t>
+            </a:r>
+            <a:r>
+              <a:rPr lang="fr-FR" sz="2000" dirty="0" err="1"/>
+              <a:t>forms.py</a:t>
+            </a:r>
+            <a:r>
+              <a:rPr lang="fr-FR" sz="2000" dirty="0"/>
+              <a:t> » dans chaque application</a:t>
+            </a:r>
+          </a:p>
+        </p:txBody>
+      </p:sp>
+      <p:pic>
+        <p:nvPicPr>
+          <p:cNvPr id="5" name="Image 4" descr="Une image contenant texte, capture d’écran&#10;&#10;Description générée automatiquement">
+            <a:extLst>
+              <a:ext uri="{FF2B5EF4-FFF2-40B4-BE49-F238E27FC236}">
+                <a16:creationId xmlns:a16="http://schemas.microsoft.com/office/drawing/2014/main" id="{D8F82586-8AC0-2847-9F67-9C2C32922683}"/>
+              </a:ext>
+            </a:extLst>
+          </p:cNvPr>
+          <p:cNvPicPr>
+            <a:picLocks noChangeAspect="1"/>
+          </p:cNvPicPr>
+          <p:nvPr/>
+        </p:nvPicPr>
+        <p:blipFill>
+          <a:blip r:embed="rId5"/>
+          <a:stretch>
+            <a:fillRect/>
+          </a:stretch>
+        </p:blipFill>
+        <p:spPr>
+          <a:xfrm>
+            <a:off x="5764980" y="2197773"/>
+            <a:ext cx="6052916" cy="3477875"/>
+          </a:xfrm>
+          <a:prstGeom prst="rect">
+            <a:avLst/>
+          </a:prstGeom>
+          <a:ln>
+            <a:noFill/>
+          </a:ln>
+          <a:effectLst>
+            <a:outerShdw blurRad="292100" dist="139700" dir="2700000" algn="tl" rotWithShape="0">
+              <a:srgbClr val="333333">
+                <a:alpha val="65000"/>
+              </a:srgbClr>
+            </a:outerShdw>
+          </a:effectLst>
+        </p:spPr>
+      </p:pic>
+      <p:sp>
+        <p:nvSpPr>
+          <p:cNvPr id="10" name="Rectangle 9">
+            <a:extLst>
+              <a:ext uri="{FF2B5EF4-FFF2-40B4-BE49-F238E27FC236}">
+                <a16:creationId xmlns:a16="http://schemas.microsoft.com/office/drawing/2014/main" id="{7FB97341-B036-1543-BD33-F9110A29AEA9}"/>
+              </a:ext>
+            </a:extLst>
+          </p:cNvPr>
+          <p:cNvSpPr/>
+          <p:nvPr/>
+        </p:nvSpPr>
+        <p:spPr>
+          <a:xfrm>
+            <a:off x="279698" y="3481147"/>
+            <a:ext cx="5233099" cy="369332"/>
+          </a:xfrm>
+          <a:prstGeom prst="rect">
+            <a:avLst/>
+          </a:prstGeom>
+        </p:spPr>
+        <p:txBody>
+          <a:bodyPr wrap="none">
+            <a:spAutoFit/>
+          </a:bodyPr>
+          <a:lstStyle/>
+          <a:p>
+            <a:r>
+              <a:rPr lang="fr-FR" dirty="0">
+                <a:hlinkClick r:id="rId6"/>
+              </a:rPr>
+              <a:t>https://docs.djangoproject.com/en/2.2/topics/forms/</a:t>
+            </a:r>
+            <a:endParaRPr lang="fr-FR" dirty="0"/>
+          </a:p>
+        </p:txBody>
+      </p:sp>
     </p:spTree>
     <p:extLst>
       <p:ext uri="{BB962C8B-B14F-4D97-AF65-F5344CB8AC3E}">
-        <p14:creationId xmlns:p14="http://schemas.microsoft.com/office/powerpoint/2010/main" val="1537733868"/>
+        <p14:creationId xmlns:p14="http://schemas.microsoft.com/office/powerpoint/2010/main" val="4280729911"/>
       </p:ext>
     </p:extLst>
   </p:cSld>
@@ -6708,18 +7715,18 @@
           <a:lstStyle/>
           <a:p>
             <a:r>
+              <a:rPr lang="fr-FR" sz="3600" dirty="0"/>
+              <a:t>Des </a:t>
+            </a:r>
+            <a:r>
               <a:rPr lang="fr-FR" sz="3600" b="1" dirty="0" err="1"/>
-              <a:t>Backend</a:t>
+              <a:t>templates</a:t>
             </a:r>
             <a:r>
               <a:rPr lang="fr-FR" sz="3600" dirty="0"/>
-              <a:t> vs </a:t>
-            </a:r>
-            <a:r>
-              <a:rPr lang="fr-FR" sz="3600" b="1" dirty="0" err="1"/>
-              <a:t>frontend</a:t>
-            </a:r>
-            <a:endParaRPr lang="fr-FR" b="1" dirty="0"/>
+              <a:t> qui affichent</a:t>
+            </a:r>
+            <a:endParaRPr lang="fr-FR" dirty="0"/>
           </a:p>
         </p:txBody>
       </p:sp>
@@ -6762,7 +7769,7 @@
       </p:sp>
       <p:pic>
         <p:nvPicPr>
-          <p:cNvPr id="5" name="Image 4" descr="Une image contenant clipart&#10;&#10;Description générée automatiquement">
+          <p:cNvPr id="6" name="Image 5" descr="Une image contenant clipart&#10;&#10;Description générée automatiquement">
             <a:extLst>
               <a:ext uri="{FF2B5EF4-FFF2-40B4-BE49-F238E27FC236}">
                 <a16:creationId xmlns:a16="http://schemas.microsoft.com/office/drawing/2014/main" id="{9144423E-3030-C445-8D80-95B3D41A5F02}"/>
@@ -6782,18 +7789,258 @@
         </p:blipFill>
         <p:spPr>
           <a:xfrm>
-            <a:off x="10239271" y="1367966"/>
-            <a:ext cx="1447800" cy="596900"/>
+            <a:off x="419333" y="252929"/>
+            <a:ext cx="1123717" cy="463287"/>
           </a:xfrm>
           <a:prstGeom prst="rect">
             <a:avLst/>
           </a:prstGeom>
         </p:spPr>
       </p:pic>
+      <p:pic>
+        <p:nvPicPr>
+          <p:cNvPr id="5" name="Image 4" descr="Une image contenant texte, capture d’écran&#10;&#10;Description générée automatiquement">
+            <a:extLst>
+              <a:ext uri="{FF2B5EF4-FFF2-40B4-BE49-F238E27FC236}">
+                <a16:creationId xmlns:a16="http://schemas.microsoft.com/office/drawing/2014/main" id="{4D877EC3-A9F4-8245-83B5-7881610AF8A6}"/>
+              </a:ext>
+            </a:extLst>
+          </p:cNvPr>
+          <p:cNvPicPr>
+            <a:picLocks noChangeAspect="1"/>
+          </p:cNvPicPr>
+          <p:nvPr/>
+        </p:nvPicPr>
+        <p:blipFill>
+          <a:blip r:embed="rId4"/>
+          <a:stretch>
+            <a:fillRect/>
+          </a:stretch>
+        </p:blipFill>
+        <p:spPr>
+          <a:xfrm>
+            <a:off x="6159231" y="1742209"/>
+            <a:ext cx="5613902" cy="4525309"/>
+          </a:xfrm>
+          <a:prstGeom prst="rect">
+            <a:avLst/>
+          </a:prstGeom>
+          <a:ln>
+            <a:noFill/>
+          </a:ln>
+          <a:effectLst>
+            <a:outerShdw blurRad="292100" dist="139700" dir="2700000" algn="tl" rotWithShape="0">
+              <a:srgbClr val="333333">
+                <a:alpha val="65000"/>
+              </a:srgbClr>
+            </a:outerShdw>
+          </a:effectLst>
+        </p:spPr>
+      </p:pic>
+      <p:sp>
+        <p:nvSpPr>
+          <p:cNvPr id="8" name="ZoneTexte 7">
+            <a:extLst>
+              <a:ext uri="{FF2B5EF4-FFF2-40B4-BE49-F238E27FC236}">
+                <a16:creationId xmlns:a16="http://schemas.microsoft.com/office/drawing/2014/main" id="{402CB0B5-5009-7146-927C-FDC10095CD5B}"/>
+              </a:ext>
+            </a:extLst>
+          </p:cNvPr>
+          <p:cNvSpPr txBox="1"/>
+          <p:nvPr/>
+        </p:nvSpPr>
+        <p:spPr>
+          <a:xfrm>
+            <a:off x="-86064" y="1742209"/>
+            <a:ext cx="6032770" cy="4093428"/>
+          </a:xfrm>
+          <a:prstGeom prst="rect">
+            <a:avLst/>
+          </a:prstGeom>
+          <a:noFill/>
+        </p:spPr>
+        <p:txBody>
+          <a:bodyPr wrap="square" rtlCol="0">
+            <a:spAutoFit/>
+          </a:bodyPr>
+          <a:lstStyle/>
+          <a:p>
+            <a:pPr marL="800100" lvl="1" indent="-342900">
+              <a:buFontTx/>
+              <a:buChar char="-"/>
+            </a:pPr>
+            <a:r>
+              <a:rPr lang="fr-FR" sz="2000" dirty="0"/>
+              <a:t>Base en HTML, CSS et JS</a:t>
+            </a:r>
+          </a:p>
+          <a:p>
+            <a:pPr marL="800100" lvl="1" indent="-342900">
+              <a:buFontTx/>
+              <a:buChar char="-"/>
+            </a:pPr>
+            <a:endParaRPr lang="fr-FR" sz="2000" dirty="0"/>
+          </a:p>
+          <a:p>
+            <a:pPr marL="800100" lvl="1" indent="-342900">
+              <a:buFontTx/>
+              <a:buChar char="-"/>
+            </a:pPr>
+            <a:r>
+              <a:rPr lang="fr-FR" sz="2000" dirty="0" err="1"/>
+              <a:t>Populé</a:t>
+            </a:r>
+            <a:r>
+              <a:rPr lang="fr-FR" sz="2000" dirty="0"/>
+              <a:t> avec les infos des </a:t>
+            </a:r>
+            <a:r>
+              <a:rPr lang="fr-FR" sz="2000" dirty="0" err="1"/>
+              <a:t>views</a:t>
+            </a:r>
+            <a:endParaRPr lang="fr-FR" sz="2000" dirty="0"/>
+          </a:p>
+          <a:p>
+            <a:pPr marL="800100" lvl="1" indent="-342900">
+              <a:buFontTx/>
+              <a:buChar char="-"/>
+            </a:pPr>
+            <a:endParaRPr lang="fr-FR" sz="2000" dirty="0"/>
+          </a:p>
+          <a:p>
+            <a:pPr marL="800100" lvl="1" indent="-342900">
+              <a:buFontTx/>
+              <a:buChar char="-"/>
+            </a:pPr>
+            <a:r>
+              <a:rPr lang="fr-FR" sz="2000" dirty="0"/>
+              <a:t>Le mélange </a:t>
+            </a:r>
+            <a:r>
+              <a:rPr lang="fr-FR" sz="2000" dirty="0" err="1"/>
+              <a:t>template</a:t>
+            </a:r>
+            <a:r>
+              <a:rPr lang="fr-FR" sz="2000" dirty="0"/>
+              <a:t> + infos par les </a:t>
+            </a:r>
+            <a:r>
+              <a:rPr lang="fr-FR" sz="2000" dirty="0" err="1"/>
+              <a:t>views</a:t>
+            </a:r>
+            <a:endParaRPr lang="fr-FR" sz="2000" dirty="0"/>
+          </a:p>
+          <a:p>
+            <a:pPr lvl="1"/>
+            <a:r>
+              <a:rPr lang="fr-FR" sz="2000" dirty="0">
+                <a:sym typeface="Wingdings" pitchFamily="2" charset="2"/>
+              </a:rPr>
+              <a:t>       fichier lu par le navigateur</a:t>
+            </a:r>
+          </a:p>
+          <a:p>
+            <a:pPr lvl="1"/>
+            <a:endParaRPr lang="fr-FR" sz="2000" dirty="0">
+              <a:sym typeface="Wingdings" pitchFamily="2" charset="2"/>
+            </a:endParaRPr>
+          </a:p>
+          <a:p>
+            <a:pPr lvl="1"/>
+            <a:endParaRPr lang="fr-FR" sz="2000" dirty="0">
+              <a:sym typeface="Wingdings" pitchFamily="2" charset="2"/>
+            </a:endParaRPr>
+          </a:p>
+          <a:p>
+            <a:pPr lvl="1"/>
+            <a:endParaRPr lang="fr-FR" sz="2000" dirty="0">
+              <a:sym typeface="Wingdings" pitchFamily="2" charset="2"/>
+            </a:endParaRPr>
+          </a:p>
+          <a:p>
+            <a:pPr marL="800100" lvl="1" indent="-342900">
+              <a:buFontTx/>
+              <a:buChar char="-"/>
+            </a:pPr>
+            <a:r>
+              <a:rPr lang="fr-FR" sz="2000" dirty="0">
+                <a:sym typeface="Wingdings" pitchFamily="2" charset="2"/>
+              </a:rPr>
+              <a:t>Tous les fichiers dans les dossiers « </a:t>
+            </a:r>
+            <a:r>
+              <a:rPr lang="fr-FR" sz="2000" dirty="0" err="1">
+                <a:sym typeface="Wingdings" pitchFamily="2" charset="2"/>
+              </a:rPr>
+              <a:t>templates</a:t>
+            </a:r>
+            <a:r>
+              <a:rPr lang="fr-FR" sz="2000" dirty="0">
+                <a:sym typeface="Wingdings" pitchFamily="2" charset="2"/>
+              </a:rPr>
+              <a:t> » de chaque application, .html</a:t>
+            </a:r>
+          </a:p>
+          <a:p>
+            <a:pPr marL="800100" lvl="1" indent="-342900">
+              <a:buFontTx/>
+              <a:buChar char="-"/>
+            </a:pPr>
+            <a:r>
+              <a:rPr lang="fr-FR" sz="2000" dirty="0">
+                <a:sym typeface="Wingdings" pitchFamily="2" charset="2"/>
+              </a:rPr>
+              <a:t>Tous les fichiers .</a:t>
+            </a:r>
+            <a:r>
+              <a:rPr lang="fr-FR" sz="2000" dirty="0" err="1">
+                <a:sym typeface="Wingdings" pitchFamily="2" charset="2"/>
+              </a:rPr>
+              <a:t>css</a:t>
+            </a:r>
+            <a:r>
+              <a:rPr lang="fr-FR" sz="2000" dirty="0">
+                <a:sym typeface="Wingdings" pitchFamily="2" charset="2"/>
+              </a:rPr>
+              <a:t> et .</a:t>
+            </a:r>
+            <a:r>
+              <a:rPr lang="fr-FR" sz="2000" dirty="0" err="1">
+                <a:sym typeface="Wingdings" pitchFamily="2" charset="2"/>
+              </a:rPr>
+              <a:t>js</a:t>
+            </a:r>
+            <a:r>
+              <a:rPr lang="fr-FR" sz="2000" dirty="0">
+                <a:sym typeface="Wingdings" pitchFamily="2" charset="2"/>
+              </a:rPr>
+              <a:t> du dossier </a:t>
+            </a:r>
+            <a:r>
+              <a:rPr lang="fr-FR" sz="2000" dirty="0" err="1">
+                <a:sym typeface="Wingdings" pitchFamily="2" charset="2"/>
+              </a:rPr>
+              <a:t>static</a:t>
+            </a:r>
+            <a:endParaRPr lang="fr-FR" sz="2000" dirty="0">
+              <a:sym typeface="Wingdings" pitchFamily="2" charset="2"/>
+            </a:endParaRPr>
+          </a:p>
+          <a:p>
+            <a:pPr marL="800100" lvl="1" indent="-342900">
+              <a:buFontTx/>
+              <a:buChar char="-"/>
+            </a:pPr>
+            <a:endParaRPr lang="fr-FR" sz="2000" dirty="0">
+              <a:sym typeface="Wingdings" pitchFamily="2" charset="2"/>
+            </a:endParaRPr>
+          </a:p>
+        </p:txBody>
+      </p:sp>
     </p:spTree>
     <p:extLst>
       <p:ext uri="{BB962C8B-B14F-4D97-AF65-F5344CB8AC3E}">
-        <p14:creationId xmlns:p14="http://schemas.microsoft.com/office/powerpoint/2010/main" val="156623953"/>
+        <p14:creationId xmlns:p14="http://schemas.microsoft.com/office/powerpoint/2010/main" val="1809346720"/>
       </p:ext>
     </p:extLst>
   </p:cSld>
@@ -6878,7 +8125,7 @@
         <p:spPr>
           <a:xfrm>
             <a:off x="279698" y="751067"/>
-            <a:ext cx="6863380" cy="646331"/>
+            <a:ext cx="6863380" cy="1200329"/>
           </a:xfrm>
           <a:prstGeom prst="rect">
             <a:avLst/>
@@ -6892,10 +8139,24 @@
           <a:lstStyle/>
           <a:p>
             <a:r>
+              <a:rPr lang="fr-FR" sz="3600" dirty="0"/>
+              <a:t>Un </a:t>
+            </a:r>
+            <a:r>
               <a:rPr lang="fr-FR" sz="3600" b="1" dirty="0"/>
-              <a:t>HTML Jinja</a:t>
-            </a:r>
-            <a:endParaRPr lang="fr-FR" b="1" dirty="0"/>
+              <a:t>exemple</a:t>
+            </a:r>
+            <a:r>
+              <a:rPr lang="fr-FR" sz="3600" dirty="0"/>
+              <a:t> concret</a:t>
+            </a:r>
+          </a:p>
+          <a:p>
+            <a:r>
+              <a:rPr lang="fr-FR" sz="3600" dirty="0"/>
+              <a:t>Création d’un utilisateur</a:t>
+            </a:r>
+            <a:endParaRPr lang="fr-FR" dirty="0"/>
           </a:p>
         </p:txBody>
       </p:sp>
@@ -6938,7 +8199,7 @@
       </p:sp>
       <p:pic>
         <p:nvPicPr>
-          <p:cNvPr id="5" name="Image 4" descr="Une image contenant clipart&#10;&#10;Description générée automatiquement">
+          <p:cNvPr id="6" name="Image 5" descr="Une image contenant clipart&#10;&#10;Description générée automatiquement">
             <a:extLst>
               <a:ext uri="{FF2B5EF4-FFF2-40B4-BE49-F238E27FC236}">
                 <a16:creationId xmlns:a16="http://schemas.microsoft.com/office/drawing/2014/main" id="{9144423E-3030-C445-8D80-95B3D41A5F02}"/>
@@ -6958,8 +8219,8 @@
         </p:blipFill>
         <p:spPr>
           <a:xfrm>
-            <a:off x="10239271" y="1367966"/>
-            <a:ext cx="1447800" cy="596900"/>
+            <a:off x="419333" y="252929"/>
+            <a:ext cx="1123717" cy="463287"/>
           </a:xfrm>
           <a:prstGeom prst="rect">
             <a:avLst/>
@@ -6969,7 +8230,7 @@
     </p:spTree>
     <p:extLst>
       <p:ext uri="{BB962C8B-B14F-4D97-AF65-F5344CB8AC3E}">
-        <p14:creationId xmlns:p14="http://schemas.microsoft.com/office/powerpoint/2010/main" val="3745408584"/>
+        <p14:creationId xmlns:p14="http://schemas.microsoft.com/office/powerpoint/2010/main" val="1537733868"/>
       </p:ext>
     </p:extLst>
   </p:cSld>
@@ -7068,8 +8329,16 @@
           <a:lstStyle/>
           <a:p>
             <a:r>
-              <a:rPr lang="fr-FR" sz="3600" b="1" dirty="0"/>
-              <a:t>CSS</a:t>
+              <a:rPr lang="fr-FR" sz="3600" b="1" dirty="0" err="1"/>
+              <a:t>Backend</a:t>
+            </a:r>
+            <a:r>
+              <a:rPr lang="fr-FR" sz="3600" dirty="0"/>
+              <a:t> vs </a:t>
+            </a:r>
+            <a:r>
+              <a:rPr lang="fr-FR" sz="3600" b="1" dirty="0" err="1"/>
+              <a:t>frontend</a:t>
             </a:r>
             <a:endParaRPr lang="fr-FR" b="1" dirty="0"/>
           </a:p>
@@ -7112,40 +8381,10 @@
           </a:p>
         </p:txBody>
       </p:sp>
-      <p:pic>
-        <p:nvPicPr>
-          <p:cNvPr id="5" name="Image 4" descr="Une image contenant clipart&#10;&#10;Description générée automatiquement">
-            <a:extLst>
-              <a:ext uri="{FF2B5EF4-FFF2-40B4-BE49-F238E27FC236}">
-                <a16:creationId xmlns:a16="http://schemas.microsoft.com/office/drawing/2014/main" id="{9144423E-3030-C445-8D80-95B3D41A5F02}"/>
-              </a:ext>
-            </a:extLst>
-          </p:cNvPr>
-          <p:cNvPicPr>
-            <a:picLocks noChangeAspect="1"/>
-          </p:cNvPicPr>
-          <p:nvPr/>
-        </p:nvPicPr>
-        <p:blipFill>
-          <a:blip r:embed="rId3"/>
-          <a:stretch>
-            <a:fillRect/>
-          </a:stretch>
-        </p:blipFill>
-        <p:spPr>
-          <a:xfrm>
-            <a:off x="10239271" y="1367966"/>
-            <a:ext cx="1447800" cy="596900"/>
-          </a:xfrm>
-          <a:prstGeom prst="rect">
-            <a:avLst/>
-          </a:prstGeom>
-        </p:spPr>
-      </p:pic>
     </p:spTree>
     <p:extLst>
       <p:ext uri="{BB962C8B-B14F-4D97-AF65-F5344CB8AC3E}">
-        <p14:creationId xmlns:p14="http://schemas.microsoft.com/office/powerpoint/2010/main" val="1491755349"/>
+        <p14:creationId xmlns:p14="http://schemas.microsoft.com/office/powerpoint/2010/main" val="156623953"/>
       </p:ext>
     </p:extLst>
   </p:cSld>
@@ -7217,7 +8456,7 @@
       </p:sp>
       <p:sp>
         <p:nvSpPr>
-          <p:cNvPr id="7" name="ZoneTexte 6">
+          <p:cNvPr id="8" name="ZoneTexte 7">
             <a:extLst>
               <a:ext uri="{FF2B5EF4-FFF2-40B4-BE49-F238E27FC236}">
                 <a16:creationId xmlns:a16="http://schemas.microsoft.com/office/drawing/2014/main" id="{B200C6F7-86D7-244A-8E00-0BABFC39F21C}"/>
@@ -7230,7 +8469,7 @@
         <p:spPr>
           <a:xfrm>
             <a:off x="279698" y="751067"/>
-            <a:ext cx="6863380" cy="646331"/>
+            <a:ext cx="6863380" cy="1200329"/>
           </a:xfrm>
           <a:prstGeom prst="rect">
             <a:avLst/>
@@ -7244,84 +8483,31 @@
           <a:lstStyle/>
           <a:p>
             <a:r>
-              <a:rPr lang="fr-FR" sz="3600" b="1" dirty="0" err="1"/>
-              <a:t>Javascript</a:t>
-            </a:r>
-            <a:endParaRPr lang="fr-FR" b="1" dirty="0"/>
-          </a:p>
-        </p:txBody>
-      </p:sp>
-      <p:sp>
-        <p:nvSpPr>
-          <p:cNvPr id="2" name="Rectangle 1">
-            <a:extLst>
-              <a:ext uri="{FF2B5EF4-FFF2-40B4-BE49-F238E27FC236}">
-                <a16:creationId xmlns:a16="http://schemas.microsoft.com/office/drawing/2014/main" id="{B0C483A5-FDEA-5846-95D9-46E1D727C7BB}"/>
-              </a:ext>
-            </a:extLst>
-          </p:cNvPr>
-          <p:cNvSpPr/>
-          <p:nvPr/>
-        </p:nvSpPr>
-        <p:spPr>
-          <a:xfrm>
-            <a:off x="7820128" y="889566"/>
-            <a:ext cx="3953005" cy="369332"/>
-          </a:xfrm>
-          <a:prstGeom prst="rect">
-            <a:avLst/>
-          </a:prstGeom>
-        </p:spPr>
-        <p:txBody>
-          <a:bodyPr wrap="none">
-            <a:spAutoFit/>
-          </a:bodyPr>
-          <a:lstStyle/>
-          <a:p>
-            <a:r>
-              <a:rPr lang="fr-FR" dirty="0">
-                <a:hlinkClick r:id="rId2"/>
-              </a:rPr>
-              <a:t>https://docs.djangoproject.com/en/2.2/</a:t>
+              <a:rPr lang="fr-FR" sz="3600" dirty="0"/>
+              <a:t>Un </a:t>
+            </a:r>
+            <a:r>
+              <a:rPr lang="fr-FR" sz="3600" b="1" dirty="0"/>
+              <a:t>exemple</a:t>
+            </a:r>
+            <a:r>
+              <a:rPr lang="fr-FR" sz="3600" dirty="0"/>
+              <a:t> plus complet</a:t>
+            </a:r>
+          </a:p>
+          <a:p>
+            <a:r>
+              <a:rPr lang="fr-FR" sz="3600" dirty="0"/>
+              <a:t>Page de Login</a:t>
             </a:r>
             <a:endParaRPr lang="fr-FR" dirty="0"/>
           </a:p>
         </p:txBody>
       </p:sp>
-      <p:pic>
-        <p:nvPicPr>
-          <p:cNvPr id="5" name="Image 4" descr="Une image contenant clipart&#10;&#10;Description générée automatiquement">
-            <a:extLst>
-              <a:ext uri="{FF2B5EF4-FFF2-40B4-BE49-F238E27FC236}">
-                <a16:creationId xmlns:a16="http://schemas.microsoft.com/office/drawing/2014/main" id="{9144423E-3030-C445-8D80-95B3D41A5F02}"/>
-              </a:ext>
-            </a:extLst>
-          </p:cNvPr>
-          <p:cNvPicPr>
-            <a:picLocks noChangeAspect="1"/>
-          </p:cNvPicPr>
-          <p:nvPr/>
-        </p:nvPicPr>
-        <p:blipFill>
-          <a:blip r:embed="rId3"/>
-          <a:stretch>
-            <a:fillRect/>
-          </a:stretch>
-        </p:blipFill>
-        <p:spPr>
-          <a:xfrm>
-            <a:off x="10239271" y="1367966"/>
-            <a:ext cx="1447800" cy="596900"/>
-          </a:xfrm>
-          <a:prstGeom prst="rect">
-            <a:avLst/>
-          </a:prstGeom>
-        </p:spPr>
-      </p:pic>
     </p:spTree>
     <p:extLst>
       <p:ext uri="{BB962C8B-B14F-4D97-AF65-F5344CB8AC3E}">
-        <p14:creationId xmlns:p14="http://schemas.microsoft.com/office/powerpoint/2010/main" val="2502596587"/>
+        <p14:creationId xmlns:p14="http://schemas.microsoft.com/office/powerpoint/2010/main" val="2789715032"/>
       </p:ext>
     </p:extLst>
   </p:cSld>
@@ -8129,10 +9315,10 @@
       </p:pic>
       <p:pic>
         <p:nvPicPr>
-          <p:cNvPr id="16" name="Image 15">
-            <a:extLst>
-              <a:ext uri="{FF2B5EF4-FFF2-40B4-BE49-F238E27FC236}">
-                <a16:creationId xmlns:a16="http://schemas.microsoft.com/office/drawing/2014/main" id="{501E0A7F-3D4F-D14A-97E1-7463072E6237}"/>
+          <p:cNvPr id="17" name="Image 16">
+            <a:extLst>
+              <a:ext uri="{FF2B5EF4-FFF2-40B4-BE49-F238E27FC236}">
+                <a16:creationId xmlns:a16="http://schemas.microsoft.com/office/drawing/2014/main" id="{0B66D68F-4897-3148-90FC-2AA9B744FCCF}"/>
               </a:ext>
             </a:extLst>
           </p:cNvPr>
@@ -8178,7 +9364,7 @@
         </p:blipFill>
         <p:spPr>
           <a:xfrm>
-            <a:off x="6831692" y="851558"/>
+            <a:off x="374948" y="214557"/>
             <a:ext cx="433275" cy="398380"/>
           </a:xfrm>
           <a:prstGeom prst="rect">
@@ -8477,10 +9663,10 @@
       </p:pic>
       <p:pic>
         <p:nvPicPr>
-          <p:cNvPr id="16" name="Image 15">
-            <a:extLst>
-              <a:ext uri="{FF2B5EF4-FFF2-40B4-BE49-F238E27FC236}">
-                <a16:creationId xmlns:a16="http://schemas.microsoft.com/office/drawing/2014/main" id="{16ED3690-8BD7-D345-9AD6-5122E552BA70}"/>
+          <p:cNvPr id="9" name="Image 8">
+            <a:extLst>
+              <a:ext uri="{FF2B5EF4-FFF2-40B4-BE49-F238E27FC236}">
+                <a16:creationId xmlns:a16="http://schemas.microsoft.com/office/drawing/2014/main" id="{0B66D68F-4897-3148-90FC-2AA9B744FCCF}"/>
               </a:ext>
             </a:extLst>
           </p:cNvPr>
@@ -8526,7 +9712,7 @@
         </p:blipFill>
         <p:spPr>
           <a:xfrm>
-            <a:off x="6831692" y="851558"/>
+            <a:off x="374948" y="214557"/>
             <a:ext cx="433275" cy="398380"/>
           </a:xfrm>
           <a:prstGeom prst="rect">
@@ -8942,10 +10128,10 @@
       </p:pic>
       <p:pic>
         <p:nvPicPr>
-          <p:cNvPr id="14" name="Image 13">
-            <a:extLst>
-              <a:ext uri="{FF2B5EF4-FFF2-40B4-BE49-F238E27FC236}">
-                <a16:creationId xmlns:a16="http://schemas.microsoft.com/office/drawing/2014/main" id="{B268D883-F280-1043-A323-A4DBDE72AC9C}"/>
+          <p:cNvPr id="15" name="Image 14">
+            <a:extLst>
+              <a:ext uri="{FF2B5EF4-FFF2-40B4-BE49-F238E27FC236}">
+                <a16:creationId xmlns:a16="http://schemas.microsoft.com/office/drawing/2014/main" id="{0B66D68F-4897-3148-90FC-2AA9B744FCCF}"/>
               </a:ext>
             </a:extLst>
           </p:cNvPr>
@@ -8991,7 +10177,7 @@
         </p:blipFill>
         <p:spPr>
           <a:xfrm>
-            <a:off x="6831692" y="851558"/>
+            <a:off x="374948" y="214557"/>
             <a:ext cx="433275" cy="398380"/>
           </a:xfrm>
           <a:prstGeom prst="rect">
@@ -9665,10 +10851,10 @@
       </p:sp>
       <p:pic>
         <p:nvPicPr>
-          <p:cNvPr id="25" name="Image 24">
-            <a:extLst>
-              <a:ext uri="{FF2B5EF4-FFF2-40B4-BE49-F238E27FC236}">
-                <a16:creationId xmlns:a16="http://schemas.microsoft.com/office/drawing/2014/main" id="{8C698645-9042-8243-B1D4-E78CA1D43E6E}"/>
+          <p:cNvPr id="15" name="Image 14">
+            <a:extLst>
+              <a:ext uri="{FF2B5EF4-FFF2-40B4-BE49-F238E27FC236}">
+                <a16:creationId xmlns:a16="http://schemas.microsoft.com/office/drawing/2014/main" id="{0B66D68F-4897-3148-90FC-2AA9B744FCCF}"/>
               </a:ext>
             </a:extLst>
           </p:cNvPr>
@@ -9714,7 +10900,7 @@
         </p:blipFill>
         <p:spPr>
           <a:xfrm>
-            <a:off x="6831692" y="851558"/>
+            <a:off x="374948" y="214557"/>
             <a:ext cx="433275" cy="398380"/>
           </a:xfrm>
           <a:prstGeom prst="rect">
@@ -10091,7 +11277,7 @@
         </p:blipFill>
         <p:spPr>
           <a:xfrm>
-            <a:off x="6831692" y="851558"/>
+            <a:off x="374948" y="214557"/>
             <a:ext cx="433275" cy="398380"/>
           </a:xfrm>
           <a:prstGeom prst="rect">
@@ -10483,6 +11669,65 @@
           </a:p>
         </p:txBody>
       </p:sp>
+      <p:pic>
+        <p:nvPicPr>
+          <p:cNvPr id="8" name="Image 7">
+            <a:extLst>
+              <a:ext uri="{FF2B5EF4-FFF2-40B4-BE49-F238E27FC236}">
+                <a16:creationId xmlns:a16="http://schemas.microsoft.com/office/drawing/2014/main" id="{0B66D68F-4897-3148-90FC-2AA9B744FCCF}"/>
+              </a:ext>
+            </a:extLst>
+          </p:cNvPr>
+          <p:cNvPicPr>
+            <a:picLocks noChangeAspect="1"/>
+          </p:cNvPicPr>
+          <p:nvPr/>
+        </p:nvPicPr>
+        <p:blipFill>
+          <a:blip r:embed="rId4">
+            <a:extLst>
+              <a:ext uri="{BEBA8EAE-BF5A-486C-A8C5-ECC9F3942E4B}">
+                <a14:imgProps xmlns:a14="http://schemas.microsoft.com/office/drawing/2010/main">
+                  <a14:imgLayer r:embed="rId5">
+                    <a14:imgEffect>
+                      <a14:backgroundRemoval t="3285" b="93796" l="6376" r="89933">
+                        <a14:foregroundMark x1="62081" y1="37591" x2="62081" y2="37591"/>
+                        <a14:foregroundMark x1="43960" y1="35036" x2="43960" y2="35036"/>
+                        <a14:foregroundMark x1="49664" y1="12774" x2="49664" y2="12774"/>
+                        <a14:foregroundMark x1="41611" y1="7299" x2="41611" y2="7299"/>
+                        <a14:foregroundMark x1="46309" y1="3285" x2="46309" y2="3285"/>
+                        <a14:foregroundMark x1="6376" y1="49270" x2="6376" y2="49270"/>
+                        <a14:foregroundMark x1="43960" y1="60949" x2="43960" y2="60949"/>
+                        <a14:foregroundMark x1="38255" y1="75912" x2="38255" y2="75912"/>
+                        <a14:foregroundMark x1="41275" y1="60949" x2="41275" y2="60949"/>
+                        <a14:foregroundMark x1="34228" y1="66423" x2="34228" y2="66423"/>
+                        <a14:foregroundMark x1="34228" y1="66423" x2="34228" y2="66423"/>
+                        <a14:foregroundMark x1="34228" y1="66423" x2="34228" y2="66423"/>
+                        <a14:foregroundMark x1="41611" y1="81387" x2="37248" y2="62044"/>
+                        <a14:foregroundMark x1="53691" y1="83942" x2="38926" y2="84672"/>
+                        <a14:foregroundMark x1="46644" y1="89416" x2="46644" y2="89416"/>
+                        <a14:foregroundMark x1="54362" y1="91971" x2="41611" y2="93796"/>
+                      </a14:backgroundRemoval>
+                    </a14:imgEffect>
+                  </a14:imgLayer>
+                </a14:imgProps>
+              </a:ext>
+            </a:extLst>
+          </a:blip>
+          <a:stretch>
+            <a:fillRect/>
+          </a:stretch>
+        </p:blipFill>
+        <p:spPr>
+          <a:xfrm>
+            <a:off x="374948" y="214557"/>
+            <a:ext cx="433275" cy="398380"/>
+          </a:xfrm>
+          <a:prstGeom prst="rect">
+            <a:avLst/>
+          </a:prstGeom>
+        </p:spPr>
+      </p:pic>
     </p:spTree>
     <p:extLst>
       <p:ext uri="{BB962C8B-B14F-4D97-AF65-F5344CB8AC3E}">
@@ -10863,6 +12108,36 @@
           </a:p>
         </p:txBody>
       </p:sp>
+      <p:pic>
+        <p:nvPicPr>
+          <p:cNvPr id="15" name="Image 14" descr="Une image contenant clipart&#10;&#10;Description générée automatiquement">
+            <a:extLst>
+              <a:ext uri="{FF2B5EF4-FFF2-40B4-BE49-F238E27FC236}">
+                <a16:creationId xmlns:a16="http://schemas.microsoft.com/office/drawing/2014/main" id="{9144423E-3030-C445-8D80-95B3D41A5F02}"/>
+              </a:ext>
+            </a:extLst>
+          </p:cNvPr>
+          <p:cNvPicPr>
+            <a:picLocks noChangeAspect="1"/>
+          </p:cNvPicPr>
+          <p:nvPr/>
+        </p:nvPicPr>
+        <p:blipFill>
+          <a:blip r:embed="rId5"/>
+          <a:stretch>
+            <a:fillRect/>
+          </a:stretch>
+        </p:blipFill>
+        <p:spPr>
+          <a:xfrm>
+            <a:off x="419333" y="252929"/>
+            <a:ext cx="1123717" cy="463287"/>
+          </a:xfrm>
+          <a:prstGeom prst="rect">
+            <a:avLst/>
+          </a:prstGeom>
+        </p:spPr>
+      </p:pic>
     </p:spTree>
     <p:extLst>
       <p:ext uri="{BB962C8B-B14F-4D97-AF65-F5344CB8AC3E}">
